--- a/description.pptx
+++ b/description.pptx
@@ -12,16 +12,18 @@
     <p:sldId id="262" r:id="rId6"/>
     <p:sldId id="263" r:id="rId7"/>
     <p:sldId id="264" r:id="rId8"/>
-    <p:sldId id="265" r:id="rId9"/>
-    <p:sldId id="266" r:id="rId10"/>
-    <p:sldId id="267" r:id="rId11"/>
-    <p:sldId id="268" r:id="rId12"/>
-    <p:sldId id="269" r:id="rId13"/>
-    <p:sldId id="270" r:id="rId14"/>
-    <p:sldId id="272" r:id="rId15"/>
-    <p:sldId id="273" r:id="rId16"/>
-    <p:sldId id="271" r:id="rId17"/>
-    <p:sldId id="261" r:id="rId18"/>
+    <p:sldId id="274" r:id="rId9"/>
+    <p:sldId id="265" r:id="rId10"/>
+    <p:sldId id="266" r:id="rId11"/>
+    <p:sldId id="267" r:id="rId12"/>
+    <p:sldId id="268" r:id="rId13"/>
+    <p:sldId id="269" r:id="rId14"/>
+    <p:sldId id="270" r:id="rId15"/>
+    <p:sldId id="272" r:id="rId16"/>
+    <p:sldId id="273" r:id="rId17"/>
+    <p:sldId id="271" r:id="rId18"/>
+    <p:sldId id="275" r:id="rId19"/>
+    <p:sldId id="261" r:id="rId20"/>
   </p:sldIdLst>
   <p:sldSz cx="12192000" cy="6858000"/>
   <p:notesSz cx="6858000" cy="9144000"/>
@@ -275,7 +277,7 @@
           <a:p>
             <a:fld id="{54B9FF6F-C651-4C28-B86D-7D53BF5155B9}" type="datetimeFigureOut">
               <a:rPr kumimoji="1" lang="ja-JP" altLang="en-US" smtClean="0"/>
-              <a:t>2020/4/20</a:t>
+              <a:t>2020/4/24</a:t>
             </a:fld>
             <a:endParaRPr kumimoji="1" lang="ja-JP" altLang="en-US"/>
           </a:p>
@@ -505,7 +507,7 @@
           <a:p>
             <a:fld id="{54B9FF6F-C651-4C28-B86D-7D53BF5155B9}" type="datetimeFigureOut">
               <a:rPr kumimoji="1" lang="ja-JP" altLang="en-US" smtClean="0"/>
-              <a:t>2020/4/20</a:t>
+              <a:t>2020/4/24</a:t>
             </a:fld>
             <a:endParaRPr kumimoji="1" lang="ja-JP" altLang="en-US"/>
           </a:p>
@@ -745,7 +747,7 @@
           <a:p>
             <a:fld id="{54B9FF6F-C651-4C28-B86D-7D53BF5155B9}" type="datetimeFigureOut">
               <a:rPr kumimoji="1" lang="ja-JP" altLang="en-US" smtClean="0"/>
-              <a:t>2020/4/20</a:t>
+              <a:t>2020/4/24</a:t>
             </a:fld>
             <a:endParaRPr kumimoji="1" lang="ja-JP" altLang="en-US"/>
           </a:p>
@@ -975,7 +977,7 @@
           <a:p>
             <a:fld id="{54B9FF6F-C651-4C28-B86D-7D53BF5155B9}" type="datetimeFigureOut">
               <a:rPr kumimoji="1" lang="ja-JP" altLang="en-US" smtClean="0"/>
-              <a:t>2020/4/20</a:t>
+              <a:t>2020/4/24</a:t>
             </a:fld>
             <a:endParaRPr kumimoji="1" lang="ja-JP" altLang="en-US"/>
           </a:p>
@@ -1250,7 +1252,7 @@
           <a:p>
             <a:fld id="{54B9FF6F-C651-4C28-B86D-7D53BF5155B9}" type="datetimeFigureOut">
               <a:rPr kumimoji="1" lang="ja-JP" altLang="en-US" smtClean="0"/>
-              <a:t>2020/4/20</a:t>
+              <a:t>2020/4/24</a:t>
             </a:fld>
             <a:endParaRPr kumimoji="1" lang="ja-JP" altLang="en-US"/>
           </a:p>
@@ -1579,7 +1581,7 @@
           <a:p>
             <a:fld id="{54B9FF6F-C651-4C28-B86D-7D53BF5155B9}" type="datetimeFigureOut">
               <a:rPr kumimoji="1" lang="ja-JP" altLang="en-US" smtClean="0"/>
-              <a:t>2020/4/20</a:t>
+              <a:t>2020/4/24</a:t>
             </a:fld>
             <a:endParaRPr kumimoji="1" lang="ja-JP" altLang="en-US"/>
           </a:p>
@@ -2055,7 +2057,7 @@
           <a:p>
             <a:fld id="{54B9FF6F-C651-4C28-B86D-7D53BF5155B9}" type="datetimeFigureOut">
               <a:rPr kumimoji="1" lang="ja-JP" altLang="en-US" smtClean="0"/>
-              <a:t>2020/4/20</a:t>
+              <a:t>2020/4/24</a:t>
             </a:fld>
             <a:endParaRPr kumimoji="1" lang="ja-JP" altLang="en-US"/>
           </a:p>
@@ -2196,7 +2198,7 @@
           <a:p>
             <a:fld id="{54B9FF6F-C651-4C28-B86D-7D53BF5155B9}" type="datetimeFigureOut">
               <a:rPr kumimoji="1" lang="ja-JP" altLang="en-US" smtClean="0"/>
-              <a:t>2020/4/20</a:t>
+              <a:t>2020/4/24</a:t>
             </a:fld>
             <a:endParaRPr kumimoji="1" lang="ja-JP" altLang="en-US"/>
           </a:p>
@@ -2309,7 +2311,7 @@
           <a:p>
             <a:fld id="{54B9FF6F-C651-4C28-B86D-7D53BF5155B9}" type="datetimeFigureOut">
               <a:rPr kumimoji="1" lang="ja-JP" altLang="en-US" smtClean="0"/>
-              <a:t>2020/4/20</a:t>
+              <a:t>2020/4/24</a:t>
             </a:fld>
             <a:endParaRPr kumimoji="1" lang="ja-JP" altLang="en-US"/>
           </a:p>
@@ -2652,7 +2654,7 @@
           <a:p>
             <a:fld id="{54B9FF6F-C651-4C28-B86D-7D53BF5155B9}" type="datetimeFigureOut">
               <a:rPr kumimoji="1" lang="ja-JP" altLang="en-US" smtClean="0"/>
-              <a:t>2020/4/20</a:t>
+              <a:t>2020/4/24</a:t>
             </a:fld>
             <a:endParaRPr kumimoji="1" lang="ja-JP" altLang="en-US"/>
           </a:p>
@@ -2940,7 +2942,7 @@
           <a:p>
             <a:fld id="{54B9FF6F-C651-4C28-B86D-7D53BF5155B9}" type="datetimeFigureOut">
               <a:rPr kumimoji="1" lang="ja-JP" altLang="en-US" smtClean="0"/>
-              <a:t>2020/4/20</a:t>
+              <a:t>2020/4/24</a:t>
             </a:fld>
             <a:endParaRPr kumimoji="1" lang="ja-JP" altLang="en-US"/>
           </a:p>
@@ -3213,7 +3215,7 @@
           <a:p>
             <a:fld id="{54B9FF6F-C651-4C28-B86D-7D53BF5155B9}" type="datetimeFigureOut">
               <a:rPr kumimoji="1" lang="ja-JP" altLang="en-US" smtClean="0"/>
-              <a:t>2020/4/20</a:t>
+              <a:t>2020/4/24</a:t>
             </a:fld>
             <a:endParaRPr kumimoji="1" lang="ja-JP" altLang="en-US"/>
           </a:p>
@@ -3740,7 +3742,7 @@
           <p:cNvPr id="2" name="タイトル 1">
             <a:extLst>
               <a:ext uri="{FF2B5EF4-FFF2-40B4-BE49-F238E27FC236}">
-                <a16:creationId xmlns:a16="http://schemas.microsoft.com/office/drawing/2014/main" id="{C7F31AAD-29B1-42DC-B134-87DFD31C1661}"/>
+                <a16:creationId xmlns:a16="http://schemas.microsoft.com/office/drawing/2014/main" id="{93549EC4-5C78-4AEF-A42D-6EEC572359F8}"/>
               </a:ext>
             </a:extLst>
           </p:cNvPr>
@@ -3760,7 +3762,7 @@
           <a:p>
             <a:r>
               <a:rPr kumimoji="1" lang="ja-JP" altLang="en-US" sz="4800" dirty="0"/>
-              <a:t>クローンとは</a:t>
+              <a:t>プッシュとは</a:t>
             </a:r>
           </a:p>
         </p:txBody>
@@ -3770,7 +3772,7 @@
           <p:cNvPr id="3" name="コンテンツ プレースホルダー 2">
             <a:extLst>
               <a:ext uri="{FF2B5EF4-FFF2-40B4-BE49-F238E27FC236}">
-                <a16:creationId xmlns:a16="http://schemas.microsoft.com/office/drawing/2014/main" id="{028E6B1D-D2D7-4F3B-95B2-21C12C2DAFFC}"/>
+                <a16:creationId xmlns:a16="http://schemas.microsoft.com/office/drawing/2014/main" id="{BFF0072B-7C16-4706-9310-BB66D9A01893}"/>
               </a:ext>
             </a:extLst>
           </p:cNvPr>
@@ -3783,14 +3785,12 @@
         </p:nvSpPr>
         <p:spPr>
           <a:xfrm>
-            <a:off x="1917583" y="1690688"/>
-            <a:ext cx="4178417" cy="439403"/>
-          </a:xfrm>
-        </p:spPr>
-        <p:txBody>
-          <a:bodyPr>
-            <a:normAutofit fontScale="92500" lnSpcReduction="10000"/>
-          </a:bodyPr>
+            <a:off x="762699" y="1690688"/>
+            <a:ext cx="7701793" cy="548459"/>
+          </a:xfrm>
+        </p:spPr>
+        <p:txBody>
+          <a:bodyPr/>
           <a:lstStyle/>
           <a:p>
             <a:pPr marL="0" indent="0">
@@ -3798,17 +3798,17 @@
             </a:pPr>
             <a:r>
               <a:rPr kumimoji="1" lang="ja-JP" altLang="en-US" dirty="0"/>
-              <a:t>リモートをローカルに複製</a:t>
+              <a:t>変更履歴をリモートリポジトリにアップロード</a:t>
             </a:r>
           </a:p>
         </p:txBody>
       </p:sp>
       <p:pic>
         <p:nvPicPr>
-          <p:cNvPr id="2050" name="Picture 2" descr="簡単解説】Gitのcloneコマンドの使い方">
-            <a:extLst>
-              <a:ext uri="{FF2B5EF4-FFF2-40B4-BE49-F238E27FC236}">
-                <a16:creationId xmlns:a16="http://schemas.microsoft.com/office/drawing/2014/main" id="{82119D43-3D24-46B2-B496-9AF066628698}"/>
+          <p:cNvPr id="1026" name="Picture 2">
+            <a:extLst>
+              <a:ext uri="{FF2B5EF4-FFF2-40B4-BE49-F238E27FC236}">
+                <a16:creationId xmlns:a16="http://schemas.microsoft.com/office/drawing/2014/main" id="{D1BAF67A-A5A0-408C-8A5B-174153BFE387}"/>
               </a:ext>
             </a:extLst>
           </p:cNvPr>
@@ -3832,8 +3832,8 @@
         </p:blipFill>
         <p:spPr bwMode="auto">
           <a:xfrm>
-            <a:off x="1679173" y="3755652"/>
-            <a:ext cx="8833654" cy="1944515"/>
+            <a:off x="2378640" y="3117367"/>
+            <a:ext cx="7434720" cy="2516148"/>
           </a:xfrm>
           <a:prstGeom prst="rect">
             <a:avLst/>
@@ -3850,80 +3850,10 @@
           </a:extLst>
         </p:spPr>
       </p:pic>
-      <p:sp>
-        <p:nvSpPr>
-          <p:cNvPr id="4" name="テキスト ボックス 3">
-            <a:extLst>
-              <a:ext uri="{FF2B5EF4-FFF2-40B4-BE49-F238E27FC236}">
-                <a16:creationId xmlns:a16="http://schemas.microsoft.com/office/drawing/2014/main" id="{1D51E358-344E-43B1-9867-F5D328569D1E}"/>
-              </a:ext>
-            </a:extLst>
-          </p:cNvPr>
-          <p:cNvSpPr txBox="1"/>
-          <p:nvPr/>
-        </p:nvSpPr>
-        <p:spPr>
-          <a:xfrm>
-            <a:off x="8201608" y="3755652"/>
-            <a:ext cx="1107996" cy="369332"/>
-          </a:xfrm>
-          <a:prstGeom prst="rect">
-            <a:avLst/>
-          </a:prstGeom>
-          <a:noFill/>
-        </p:spPr>
-        <p:txBody>
-          <a:bodyPr wrap="none" rtlCol="0">
-            <a:spAutoFit/>
-          </a:bodyPr>
-          <a:lstStyle/>
-          <a:p>
-            <a:r>
-              <a:rPr kumimoji="1" lang="ja-JP" altLang="en-US" dirty="0"/>
-              <a:t>リモート</a:t>
-            </a:r>
-          </a:p>
-        </p:txBody>
-      </p:sp>
-      <p:sp>
-        <p:nvSpPr>
-          <p:cNvPr id="5" name="テキスト ボックス 4">
-            <a:extLst>
-              <a:ext uri="{FF2B5EF4-FFF2-40B4-BE49-F238E27FC236}">
-                <a16:creationId xmlns:a16="http://schemas.microsoft.com/office/drawing/2014/main" id="{F17C2330-F32B-4B66-AF94-446C65DBCB3C}"/>
-              </a:ext>
-            </a:extLst>
-          </p:cNvPr>
-          <p:cNvSpPr txBox="1"/>
-          <p:nvPr/>
-        </p:nvSpPr>
-        <p:spPr>
-          <a:xfrm>
-            <a:off x="2882396" y="3751067"/>
-            <a:ext cx="1107996" cy="369332"/>
-          </a:xfrm>
-          <a:prstGeom prst="rect">
-            <a:avLst/>
-          </a:prstGeom>
-          <a:noFill/>
-        </p:spPr>
-        <p:txBody>
-          <a:bodyPr wrap="none" rtlCol="0">
-            <a:spAutoFit/>
-          </a:bodyPr>
-          <a:lstStyle/>
-          <a:p>
-            <a:r>
-              <a:rPr kumimoji="1" lang="ja-JP" altLang="en-US" dirty="0"/>
-              <a:t>ローカル</a:t>
-            </a:r>
-          </a:p>
-        </p:txBody>
-      </p:sp>
     </p:spTree>
     <p:extLst>
       <p:ext uri="{BB962C8B-B14F-4D97-AF65-F5344CB8AC3E}">
-        <p14:creationId xmlns:p14="http://schemas.microsoft.com/office/powerpoint/2010/main" val="3183215618"/>
+        <p14:creationId xmlns:p14="http://schemas.microsoft.com/office/powerpoint/2010/main" val="564033832"/>
       </p:ext>
     </p:extLst>
   </p:cSld>
@@ -3955,7 +3885,7 @@
           <p:cNvPr id="2" name="タイトル 1">
             <a:extLst>
               <a:ext uri="{FF2B5EF4-FFF2-40B4-BE49-F238E27FC236}">
-                <a16:creationId xmlns:a16="http://schemas.microsoft.com/office/drawing/2014/main" id="{03E4DBC6-5796-4606-B353-FEB7ADB8F3AE}"/>
+                <a16:creationId xmlns:a16="http://schemas.microsoft.com/office/drawing/2014/main" id="{C7F31AAD-29B1-42DC-B134-87DFD31C1661}"/>
               </a:ext>
             </a:extLst>
           </p:cNvPr>
@@ -3974,10 +3904,9 @@
           <a:lstStyle/>
           <a:p>
             <a:r>
-              <a:rPr kumimoji="1" lang="ja-JP" altLang="en-US" sz="4800"/>
-              <a:t>プルとは</a:t>
-            </a:r>
-            <a:endParaRPr kumimoji="1" lang="ja-JP" altLang="en-US" sz="4800" dirty="0"/>
+              <a:rPr kumimoji="1" lang="ja-JP" altLang="en-US" sz="4800" dirty="0"/>
+              <a:t>クローンとは</a:t>
+            </a:r>
           </a:p>
         </p:txBody>
       </p:sp>
@@ -3986,7 +3915,7 @@
           <p:cNvPr id="3" name="コンテンツ プレースホルダー 2">
             <a:extLst>
               <a:ext uri="{FF2B5EF4-FFF2-40B4-BE49-F238E27FC236}">
-                <a16:creationId xmlns:a16="http://schemas.microsoft.com/office/drawing/2014/main" id="{D90C2F91-6E33-4B04-835B-70F000106EFD}"/>
+                <a16:creationId xmlns:a16="http://schemas.microsoft.com/office/drawing/2014/main" id="{028E6B1D-D2D7-4F3B-95B2-21C12C2DAFFC}"/>
               </a:ext>
             </a:extLst>
           </p:cNvPr>
@@ -3999,31 +3928,32 @@
         </p:nvSpPr>
         <p:spPr>
           <a:xfrm>
-            <a:off x="838200" y="1690688"/>
-            <a:ext cx="8179965" cy="514903"/>
-          </a:xfrm>
-        </p:spPr>
-        <p:txBody>
-          <a:bodyPr/>
+            <a:off x="1917583" y="1690688"/>
+            <a:ext cx="4178417" cy="439403"/>
+          </a:xfrm>
+        </p:spPr>
+        <p:txBody>
+          <a:bodyPr>
+            <a:normAutofit fontScale="92500" lnSpcReduction="10000"/>
+          </a:bodyPr>
           <a:lstStyle/>
           <a:p>
             <a:pPr marL="0" indent="0">
               <a:buNone/>
             </a:pPr>
             <a:r>
-              <a:rPr kumimoji="1" lang="ja-JP" altLang="en-US"/>
-              <a:t>リモートからローカルに変更履歴をダウンロード</a:t>
-            </a:r>
-            <a:endParaRPr kumimoji="1" lang="ja-JP" altLang="en-US" dirty="0"/>
+              <a:rPr kumimoji="1" lang="ja-JP" altLang="en-US" dirty="0"/>
+              <a:t>リモートをローカルに複製</a:t>
+            </a:r>
           </a:p>
         </p:txBody>
       </p:sp>
       <p:pic>
         <p:nvPicPr>
-          <p:cNvPr id="3074" name="Picture 2">
-            <a:extLst>
-              <a:ext uri="{FF2B5EF4-FFF2-40B4-BE49-F238E27FC236}">
-                <a16:creationId xmlns:a16="http://schemas.microsoft.com/office/drawing/2014/main" id="{11310DF5-F936-44CD-B7F2-66BE547632EF}"/>
+          <p:cNvPr id="2050" name="Picture 2" descr="簡単解説】Gitのcloneコマンドの使い方">
+            <a:extLst>
+              <a:ext uri="{FF2B5EF4-FFF2-40B4-BE49-F238E27FC236}">
+                <a16:creationId xmlns:a16="http://schemas.microsoft.com/office/drawing/2014/main" id="{82119D43-3D24-46B2-B496-9AF066628698}"/>
               </a:ext>
             </a:extLst>
           </p:cNvPr>
@@ -4047,8 +3977,8 @@
         </p:blipFill>
         <p:spPr bwMode="auto">
           <a:xfrm>
-            <a:off x="2340343" y="3209081"/>
-            <a:ext cx="7473422" cy="2529246"/>
+            <a:off x="1679173" y="3755652"/>
+            <a:ext cx="8833654" cy="1944515"/>
           </a:xfrm>
           <a:prstGeom prst="rect">
             <a:avLst/>
@@ -4065,10 +3995,80 @@
           </a:extLst>
         </p:spPr>
       </p:pic>
+      <p:sp>
+        <p:nvSpPr>
+          <p:cNvPr id="4" name="テキスト ボックス 3">
+            <a:extLst>
+              <a:ext uri="{FF2B5EF4-FFF2-40B4-BE49-F238E27FC236}">
+                <a16:creationId xmlns:a16="http://schemas.microsoft.com/office/drawing/2014/main" id="{1D51E358-344E-43B1-9867-F5D328569D1E}"/>
+              </a:ext>
+            </a:extLst>
+          </p:cNvPr>
+          <p:cNvSpPr txBox="1"/>
+          <p:nvPr/>
+        </p:nvSpPr>
+        <p:spPr>
+          <a:xfrm>
+            <a:off x="8201608" y="3755652"/>
+            <a:ext cx="1107996" cy="369332"/>
+          </a:xfrm>
+          <a:prstGeom prst="rect">
+            <a:avLst/>
+          </a:prstGeom>
+          <a:noFill/>
+        </p:spPr>
+        <p:txBody>
+          <a:bodyPr wrap="none" rtlCol="0">
+            <a:spAutoFit/>
+          </a:bodyPr>
+          <a:lstStyle/>
+          <a:p>
+            <a:r>
+              <a:rPr kumimoji="1" lang="ja-JP" altLang="en-US" dirty="0"/>
+              <a:t>リモート</a:t>
+            </a:r>
+          </a:p>
+        </p:txBody>
+      </p:sp>
+      <p:sp>
+        <p:nvSpPr>
+          <p:cNvPr id="5" name="テキスト ボックス 4">
+            <a:extLst>
+              <a:ext uri="{FF2B5EF4-FFF2-40B4-BE49-F238E27FC236}">
+                <a16:creationId xmlns:a16="http://schemas.microsoft.com/office/drawing/2014/main" id="{F17C2330-F32B-4B66-AF94-446C65DBCB3C}"/>
+              </a:ext>
+            </a:extLst>
+          </p:cNvPr>
+          <p:cNvSpPr txBox="1"/>
+          <p:nvPr/>
+        </p:nvSpPr>
+        <p:spPr>
+          <a:xfrm>
+            <a:off x="2882396" y="3751067"/>
+            <a:ext cx="1107996" cy="369332"/>
+          </a:xfrm>
+          <a:prstGeom prst="rect">
+            <a:avLst/>
+          </a:prstGeom>
+          <a:noFill/>
+        </p:spPr>
+        <p:txBody>
+          <a:bodyPr wrap="none" rtlCol="0">
+            <a:spAutoFit/>
+          </a:bodyPr>
+          <a:lstStyle/>
+          <a:p>
+            <a:r>
+              <a:rPr kumimoji="1" lang="ja-JP" altLang="en-US" dirty="0"/>
+              <a:t>ローカル</a:t>
+            </a:r>
+          </a:p>
+        </p:txBody>
+      </p:sp>
     </p:spTree>
     <p:extLst>
       <p:ext uri="{BB962C8B-B14F-4D97-AF65-F5344CB8AC3E}">
-        <p14:creationId xmlns:p14="http://schemas.microsoft.com/office/powerpoint/2010/main" val="3486914180"/>
+        <p14:creationId xmlns:p14="http://schemas.microsoft.com/office/powerpoint/2010/main" val="3183215618"/>
       </p:ext>
     </p:extLst>
   </p:cSld>
@@ -4100,7 +4100,7 @@
           <p:cNvPr id="2" name="タイトル 1">
             <a:extLst>
               <a:ext uri="{FF2B5EF4-FFF2-40B4-BE49-F238E27FC236}">
-                <a16:creationId xmlns:a16="http://schemas.microsoft.com/office/drawing/2014/main" id="{FCD7C445-F3EA-4C50-B1F6-38BBAD4F1920}"/>
+                <a16:creationId xmlns:a16="http://schemas.microsoft.com/office/drawing/2014/main" id="{03E4DBC6-5796-4606-B353-FEB7ADB8F3AE}"/>
               </a:ext>
             </a:extLst>
           </p:cNvPr>
@@ -4113,60 +4113,62 @@
         </p:nvSpPr>
         <p:spPr/>
         <p:txBody>
+          <a:bodyPr>
+            <a:normAutofit/>
+          </a:bodyPr>
+          <a:lstStyle/>
+          <a:p>
+            <a:r>
+              <a:rPr kumimoji="1" lang="ja-JP" altLang="en-US" sz="4800"/>
+              <a:t>プルとは</a:t>
+            </a:r>
+            <a:endParaRPr kumimoji="1" lang="ja-JP" altLang="en-US" sz="4800" dirty="0"/>
+          </a:p>
+        </p:txBody>
+      </p:sp>
+      <p:sp>
+        <p:nvSpPr>
+          <p:cNvPr id="3" name="コンテンツ プレースホルダー 2">
+            <a:extLst>
+              <a:ext uri="{FF2B5EF4-FFF2-40B4-BE49-F238E27FC236}">
+                <a16:creationId xmlns:a16="http://schemas.microsoft.com/office/drawing/2014/main" id="{D90C2F91-6E33-4B04-835B-70F000106EFD}"/>
+              </a:ext>
+            </a:extLst>
+          </p:cNvPr>
+          <p:cNvSpPr>
+            <a:spLocks noGrp="1"/>
+          </p:cNvSpPr>
+          <p:nvPr>
+            <p:ph idx="1"/>
+          </p:nvPr>
+        </p:nvSpPr>
+        <p:spPr>
+          <a:xfrm>
+            <a:off x="838200" y="1690688"/>
+            <a:ext cx="8179965" cy="514903"/>
+          </a:xfrm>
+        </p:spPr>
+        <p:txBody>
           <a:bodyPr/>
           <a:lstStyle/>
           <a:p>
-            <a:r>
-              <a:rPr kumimoji="1" lang="ja-JP" altLang="en-US" dirty="0"/>
-              <a:t>ブランチとは</a:t>
-            </a:r>
-          </a:p>
-        </p:txBody>
-      </p:sp>
-      <p:sp>
-        <p:nvSpPr>
-          <p:cNvPr id="3" name="コンテンツ プレースホルダー 2">
-            <a:extLst>
-              <a:ext uri="{FF2B5EF4-FFF2-40B4-BE49-F238E27FC236}">
-                <a16:creationId xmlns:a16="http://schemas.microsoft.com/office/drawing/2014/main" id="{286C860B-1115-447E-B22C-A0DEB4051782}"/>
-              </a:ext>
-            </a:extLst>
-          </p:cNvPr>
-          <p:cNvSpPr>
-            <a:spLocks noGrp="1"/>
-          </p:cNvSpPr>
-          <p:nvPr>
-            <p:ph idx="1"/>
-          </p:nvPr>
-        </p:nvSpPr>
-        <p:spPr>
-          <a:xfrm>
-            <a:off x="838200" y="1690688"/>
-            <a:ext cx="5872993" cy="472958"/>
-          </a:xfrm>
-        </p:spPr>
-        <p:txBody>
-          <a:bodyPr>
-            <a:normAutofit lnSpcReduction="10000"/>
-          </a:bodyPr>
-          <a:lstStyle/>
-          <a:p>
             <a:pPr marL="0" indent="0">
               <a:buNone/>
             </a:pPr>
             <a:r>
-              <a:rPr kumimoji="1" lang="ja-JP" altLang="en-US" dirty="0"/>
-              <a:t>履歴の流れを分岐して記録する機能</a:t>
-            </a:r>
+              <a:rPr kumimoji="1" lang="ja-JP" altLang="en-US"/>
+              <a:t>リモートからローカルに変更履歴をダウンロード</a:t>
+            </a:r>
+            <a:endParaRPr kumimoji="1" lang="ja-JP" altLang="en-US" dirty="0"/>
           </a:p>
         </p:txBody>
       </p:sp>
       <p:pic>
         <p:nvPicPr>
-          <p:cNvPr id="4098" name="Picture 2">
-            <a:extLst>
-              <a:ext uri="{FF2B5EF4-FFF2-40B4-BE49-F238E27FC236}">
-                <a16:creationId xmlns:a16="http://schemas.microsoft.com/office/drawing/2014/main" id="{CE702F6A-3B7E-4376-91B5-C34332BAAAAC}"/>
+          <p:cNvPr id="3074" name="Picture 2">
+            <a:extLst>
+              <a:ext uri="{FF2B5EF4-FFF2-40B4-BE49-F238E27FC236}">
+                <a16:creationId xmlns:a16="http://schemas.microsoft.com/office/drawing/2014/main" id="{11310DF5-F936-44CD-B7F2-66BE547632EF}"/>
               </a:ext>
             </a:extLst>
           </p:cNvPr>
@@ -4190,8 +4192,8 @@
         </p:blipFill>
         <p:spPr bwMode="auto">
           <a:xfrm>
-            <a:off x="3536303" y="2379814"/>
-            <a:ext cx="5270726" cy="4327257"/>
+            <a:off x="2340343" y="3209081"/>
+            <a:ext cx="7473422" cy="2529246"/>
           </a:xfrm>
           <a:prstGeom prst="rect">
             <a:avLst/>
@@ -4211,7 +4213,7 @@
     </p:spTree>
     <p:extLst>
       <p:ext uri="{BB962C8B-B14F-4D97-AF65-F5344CB8AC3E}">
-        <p14:creationId xmlns:p14="http://schemas.microsoft.com/office/powerpoint/2010/main" val="3207483603"/>
+        <p14:creationId xmlns:p14="http://schemas.microsoft.com/office/powerpoint/2010/main" val="3486914180"/>
       </p:ext>
     </p:extLst>
   </p:cSld>
@@ -4243,7 +4245,7 @@
           <p:cNvPr id="2" name="タイトル 1">
             <a:extLst>
               <a:ext uri="{FF2B5EF4-FFF2-40B4-BE49-F238E27FC236}">
-                <a16:creationId xmlns:a16="http://schemas.microsoft.com/office/drawing/2014/main" id="{7327C96F-93F2-495D-8A40-7914B6D27494}"/>
+                <a16:creationId xmlns:a16="http://schemas.microsoft.com/office/drawing/2014/main" id="{FCD7C445-F3EA-4C50-B1F6-38BBAD4F1920}"/>
               </a:ext>
             </a:extLst>
           </p:cNvPr>
@@ -4260,12 +4262,8 @@
           <a:lstStyle/>
           <a:p>
             <a:r>
-              <a:rPr kumimoji="1" lang="en-US" altLang="ja-JP" dirty="0"/>
-              <a:t>Git</a:t>
-            </a:r>
-            <a:r>
               <a:rPr kumimoji="1" lang="ja-JP" altLang="en-US" dirty="0"/>
-              <a:t>の問題点</a:t>
+              <a:t>ブランチとは</a:t>
             </a:r>
           </a:p>
         </p:txBody>
@@ -4275,7 +4273,7 @@
           <p:cNvPr id="3" name="コンテンツ プレースホルダー 2">
             <a:extLst>
               <a:ext uri="{FF2B5EF4-FFF2-40B4-BE49-F238E27FC236}">
-                <a16:creationId xmlns:a16="http://schemas.microsoft.com/office/drawing/2014/main" id="{95EDF0AA-1156-4B62-9463-CA7E71F32545}"/>
+                <a16:creationId xmlns:a16="http://schemas.microsoft.com/office/drawing/2014/main" id="{286C860B-1115-447E-B22C-A0DEB4051782}"/>
               </a:ext>
             </a:extLst>
           </p:cNvPr>
@@ -4288,13 +4286,13 @@
         </p:nvSpPr>
         <p:spPr>
           <a:xfrm>
-            <a:off x="1207230" y="1690688"/>
-            <a:ext cx="5411598" cy="1840364"/>
+            <a:off x="838200" y="1690688"/>
+            <a:ext cx="5872993" cy="472958"/>
           </a:xfrm>
         </p:spPr>
         <p:txBody>
           <a:bodyPr>
-            <a:noAutofit/>
+            <a:normAutofit lnSpcReduction="10000"/>
           </a:bodyPr>
           <a:lstStyle/>
           <a:p>
@@ -4302,39 +4300,18 @@
               <a:buNone/>
             </a:pPr>
             <a:r>
-              <a:rPr kumimoji="1" lang="ja-JP" altLang="en-US" sz="3600" dirty="0"/>
-              <a:t>コマンド操作</a:t>
-            </a:r>
-            <a:endParaRPr lang="en-US" altLang="ja-JP" sz="3600" dirty="0"/>
-          </a:p>
-          <a:p>
-            <a:pPr marL="0" indent="0">
-              <a:buNone/>
-            </a:pPr>
-            <a:r>
-              <a:rPr kumimoji="1" lang="ja-JP" altLang="en-US" sz="3600" dirty="0"/>
-              <a:t>慣れるのに時間がかかる</a:t>
-            </a:r>
-            <a:endParaRPr kumimoji="1" lang="en-US" altLang="ja-JP" sz="3600" dirty="0"/>
-          </a:p>
-          <a:p>
-            <a:pPr marL="0" indent="0">
-              <a:buNone/>
-            </a:pPr>
-            <a:r>
-              <a:rPr lang="ja-JP" altLang="en-US" sz="3600" dirty="0"/>
-              <a:t>視覚的にわかりにくい</a:t>
-            </a:r>
-            <a:endParaRPr kumimoji="1" lang="en-US" altLang="ja-JP" sz="3600" dirty="0"/>
+              <a:rPr kumimoji="1" lang="ja-JP" altLang="en-US" dirty="0"/>
+              <a:t>履歴の流れを分岐して記録する機能</a:t>
+            </a:r>
           </a:p>
         </p:txBody>
       </p:sp>
       <p:pic>
         <p:nvPicPr>
-          <p:cNvPr id="5122" name="Picture 2" descr="git pull コマンドでリモートリポジトリの内容をローカルリポジトリに ...">
-            <a:extLst>
-              <a:ext uri="{FF2B5EF4-FFF2-40B4-BE49-F238E27FC236}">
-                <a16:creationId xmlns:a16="http://schemas.microsoft.com/office/drawing/2014/main" id="{FCE9F2B0-81B6-4814-BE15-AAD3670FC248}"/>
+          <p:cNvPr id="4098" name="Picture 2">
+            <a:extLst>
+              <a:ext uri="{FF2B5EF4-FFF2-40B4-BE49-F238E27FC236}">
+                <a16:creationId xmlns:a16="http://schemas.microsoft.com/office/drawing/2014/main" id="{CE702F6A-3B7E-4376-91B5-C34332BAAAAC}"/>
               </a:ext>
             </a:extLst>
           </p:cNvPr>
@@ -4358,8 +4335,8 @@
         </p:blipFill>
         <p:spPr bwMode="auto">
           <a:xfrm>
-            <a:off x="6270366" y="3673475"/>
-            <a:ext cx="5324475" cy="2819400"/>
+            <a:off x="3536303" y="2379814"/>
+            <a:ext cx="5270726" cy="4327257"/>
           </a:xfrm>
           <a:prstGeom prst="rect">
             <a:avLst/>
@@ -4379,7 +4356,7 @@
     </p:spTree>
     <p:extLst>
       <p:ext uri="{BB962C8B-B14F-4D97-AF65-F5344CB8AC3E}">
-        <p14:creationId xmlns:p14="http://schemas.microsoft.com/office/powerpoint/2010/main" val="3838313666"/>
+        <p14:creationId xmlns:p14="http://schemas.microsoft.com/office/powerpoint/2010/main" val="3207483603"/>
       </p:ext>
     </p:extLst>
   </p:cSld>
@@ -4411,7 +4388,7 @@
           <p:cNvPr id="2" name="タイトル 1">
             <a:extLst>
               <a:ext uri="{FF2B5EF4-FFF2-40B4-BE49-F238E27FC236}">
-                <a16:creationId xmlns:a16="http://schemas.microsoft.com/office/drawing/2014/main" id="{67F86A46-DC17-4792-B745-13AE8234E5E3}"/>
+                <a16:creationId xmlns:a16="http://schemas.microsoft.com/office/drawing/2014/main" id="{7327C96F-93F2-495D-8A40-7914B6D27494}"/>
               </a:ext>
             </a:extLst>
           </p:cNvPr>
@@ -4428,12 +4405,12 @@
           <a:lstStyle/>
           <a:p>
             <a:r>
-              <a:rPr kumimoji="1" lang="en-US" altLang="ja-JP" dirty="0"/>
-              <a:t>Git</a:t>
+              <a:rPr kumimoji="1" lang="en-US" altLang="ja-JP" dirty="0" err="1"/>
+              <a:t>GitBash</a:t>
             </a:r>
             <a:r>
               <a:rPr kumimoji="1" lang="ja-JP" altLang="en-US" dirty="0"/>
-              <a:t>使いません</a:t>
+              <a:t>の問題点</a:t>
             </a:r>
           </a:p>
         </p:txBody>
@@ -4443,7 +4420,7 @@
           <p:cNvPr id="3" name="コンテンツ プレースホルダー 2">
             <a:extLst>
               <a:ext uri="{FF2B5EF4-FFF2-40B4-BE49-F238E27FC236}">
-                <a16:creationId xmlns:a16="http://schemas.microsoft.com/office/drawing/2014/main" id="{76891956-E43B-44D8-A9C6-BF57713D44E0}"/>
+                <a16:creationId xmlns:a16="http://schemas.microsoft.com/office/drawing/2014/main" id="{95EDF0AA-1156-4B62-9463-CA7E71F32545}"/>
               </a:ext>
             </a:extLst>
           </p:cNvPr>
@@ -4456,75 +4433,98 @@
         </p:nvSpPr>
         <p:spPr>
           <a:xfrm>
-            <a:off x="2971800" y="3141662"/>
-            <a:ext cx="6248400" cy="574675"/>
-          </a:xfrm>
-        </p:spPr>
-        <p:txBody>
-          <a:bodyPr/>
+            <a:off x="1207230" y="1690688"/>
+            <a:ext cx="5411598" cy="1840364"/>
+          </a:xfrm>
+        </p:spPr>
+        <p:txBody>
+          <a:bodyPr>
+            <a:noAutofit/>
+          </a:bodyPr>
           <a:lstStyle/>
           <a:p>
             <a:pPr marL="0" indent="0">
               <a:buNone/>
             </a:pPr>
             <a:r>
-              <a:rPr kumimoji="1" lang="ja-JP" altLang="en-US" dirty="0"/>
-              <a:t>ロボコンするうえでは必要ない</a:t>
-            </a:r>
-            <a:r>
-              <a:rPr kumimoji="1" lang="en-US" altLang="ja-JP" dirty="0"/>
-              <a:t>...</a:t>
-            </a:r>
-            <a:r>
-              <a:rPr kumimoji="1" lang="ja-JP" altLang="en-US" dirty="0"/>
-              <a:t>多分</a:t>
-            </a:r>
-          </a:p>
-        </p:txBody>
-      </p:sp>
-      <p:sp>
-        <p:nvSpPr>
-          <p:cNvPr id="4" name="テキスト ボックス 3">
-            <a:extLst>
-              <a:ext uri="{FF2B5EF4-FFF2-40B4-BE49-F238E27FC236}">
-                <a16:creationId xmlns:a16="http://schemas.microsoft.com/office/drawing/2014/main" id="{7E53D4E5-20A8-409D-A648-F30A10B258E5}"/>
-              </a:ext>
-            </a:extLst>
-          </p:cNvPr>
-          <p:cNvSpPr txBox="1"/>
+              <a:rPr kumimoji="1" lang="ja-JP" altLang="en-US" sz="3600" dirty="0"/>
+              <a:t>コマンド操作</a:t>
+            </a:r>
+            <a:endParaRPr lang="en-US" altLang="ja-JP" sz="3600" dirty="0"/>
+          </a:p>
+          <a:p>
+            <a:pPr marL="0" indent="0">
+              <a:buNone/>
+            </a:pPr>
+            <a:r>
+              <a:rPr kumimoji="1" lang="ja-JP" altLang="en-US" sz="3600" dirty="0"/>
+              <a:t>慣れるのに時間がかかる</a:t>
+            </a:r>
+            <a:endParaRPr kumimoji="1" lang="en-US" altLang="ja-JP" sz="3600" dirty="0"/>
+          </a:p>
+          <a:p>
+            <a:pPr marL="0" indent="0">
+              <a:buNone/>
+            </a:pPr>
+            <a:r>
+              <a:rPr lang="ja-JP" altLang="en-US" sz="3600" dirty="0"/>
+              <a:t>視覚的にわかりにくい</a:t>
+            </a:r>
+            <a:endParaRPr kumimoji="1" lang="en-US" altLang="ja-JP" sz="3600" dirty="0"/>
+          </a:p>
+        </p:txBody>
+      </p:sp>
+      <p:pic>
+        <p:nvPicPr>
+          <p:cNvPr id="5122" name="Picture 2" descr="git pull コマンドでリモートリポジトリの内容をローカルリポジトリに ...">
+            <a:extLst>
+              <a:ext uri="{FF2B5EF4-FFF2-40B4-BE49-F238E27FC236}">
+                <a16:creationId xmlns:a16="http://schemas.microsoft.com/office/drawing/2014/main" id="{FCE9F2B0-81B6-4814-BE15-AAD3670FC248}"/>
+              </a:ext>
+            </a:extLst>
+          </p:cNvPr>
+          <p:cNvPicPr>
+            <a:picLocks noChangeAspect="1" noChangeArrowheads="1"/>
+          </p:cNvPicPr>
           <p:nvPr/>
-        </p:nvSpPr>
-        <p:spPr>
-          <a:xfrm>
-            <a:off x="6096000" y="4254500"/>
-            <a:ext cx="4224233" cy="523220"/>
+        </p:nvPicPr>
+        <p:blipFill>
+          <a:blip r:embed="rId2">
+            <a:extLst>
+              <a:ext uri="{28A0092B-C50C-407E-A947-70E740481C1C}">
+                <a14:useLocalDpi xmlns:a14="http://schemas.microsoft.com/office/drawing/2010/main" val="0"/>
+              </a:ext>
+            </a:extLst>
+          </a:blip>
+          <a:srcRect/>
+          <a:stretch>
+            <a:fillRect/>
+          </a:stretch>
+        </p:blipFill>
+        <p:spPr bwMode="auto">
+          <a:xfrm>
+            <a:off x="6270366" y="3673475"/>
+            <a:ext cx="5324475" cy="2819400"/>
           </a:xfrm>
           <a:prstGeom prst="rect">
             <a:avLst/>
           </a:prstGeom>
           <a:noFill/>
-        </p:spPr>
-        <p:txBody>
-          <a:bodyPr wrap="none" rtlCol="0">
-            <a:spAutoFit/>
-          </a:bodyPr>
-          <a:lstStyle/>
-          <a:p>
-            <a:r>
-              <a:rPr kumimoji="1" lang="en-US" altLang="ja-JP" sz="2800" dirty="0"/>
-              <a:t>GitHub</a:t>
-            </a:r>
-            <a:r>
-              <a:rPr kumimoji="1" lang="ja-JP" altLang="en-US" sz="2800" dirty="0"/>
-              <a:t>のみでじゅーぶん</a:t>
-            </a:r>
-          </a:p>
-        </p:txBody>
-      </p:sp>
+          <a:extLst>
+            <a:ext uri="{909E8E84-426E-40DD-AFC4-6F175D3DCCD1}">
+              <a14:hiddenFill xmlns:a14="http://schemas.microsoft.com/office/drawing/2010/main">
+                <a:solidFill>
+                  <a:srgbClr val="FFFFFF"/>
+                </a:solidFill>
+              </a14:hiddenFill>
+            </a:ext>
+          </a:extLst>
+        </p:spPr>
+      </p:pic>
     </p:spTree>
     <p:extLst>
       <p:ext uri="{BB962C8B-B14F-4D97-AF65-F5344CB8AC3E}">
-        <p14:creationId xmlns:p14="http://schemas.microsoft.com/office/powerpoint/2010/main" val="1533913708"/>
+        <p14:creationId xmlns:p14="http://schemas.microsoft.com/office/powerpoint/2010/main" val="3838313666"/>
       </p:ext>
     </p:extLst>
   </p:cSld>
@@ -4553,35 +4553,70 @@
       </p:grpSpPr>
       <p:sp>
         <p:nvSpPr>
-          <p:cNvPr id="4" name="テキスト ボックス 3">
-            <a:extLst>
-              <a:ext uri="{FF2B5EF4-FFF2-40B4-BE49-F238E27FC236}">
-                <a16:creationId xmlns:a16="http://schemas.microsoft.com/office/drawing/2014/main" id="{DF557E8C-6016-42AB-86A4-DC59E21BD284}"/>
-              </a:ext>
-            </a:extLst>
-          </p:cNvPr>
-          <p:cNvSpPr txBox="1"/>
-          <p:nvPr/>
+          <p:cNvPr id="2" name="タイトル 1">
+            <a:extLst>
+              <a:ext uri="{FF2B5EF4-FFF2-40B4-BE49-F238E27FC236}">
+                <a16:creationId xmlns:a16="http://schemas.microsoft.com/office/drawing/2014/main" id="{67F86A46-DC17-4792-B745-13AE8234E5E3}"/>
+              </a:ext>
+            </a:extLst>
+          </p:cNvPr>
+          <p:cNvSpPr>
+            <a:spLocks noGrp="1"/>
+          </p:cNvSpPr>
+          <p:nvPr>
+            <p:ph type="title"/>
+          </p:nvPr>
+        </p:nvSpPr>
+        <p:spPr/>
+        <p:txBody>
+          <a:bodyPr/>
+          <a:lstStyle/>
+          <a:p>
+            <a:r>
+              <a:rPr kumimoji="1" lang="en-US" altLang="ja-JP" dirty="0" err="1"/>
+              <a:t>GitBash</a:t>
+            </a:r>
+            <a:r>
+              <a:rPr kumimoji="1" lang="ja-JP" altLang="en-US" dirty="0"/>
+              <a:t>使いません</a:t>
+            </a:r>
+          </a:p>
+        </p:txBody>
+      </p:sp>
+      <p:sp>
+        <p:nvSpPr>
+          <p:cNvPr id="3" name="コンテンツ プレースホルダー 2">
+            <a:extLst>
+              <a:ext uri="{FF2B5EF4-FFF2-40B4-BE49-F238E27FC236}">
+                <a16:creationId xmlns:a16="http://schemas.microsoft.com/office/drawing/2014/main" id="{76891956-E43B-44D8-A9C6-BF57713D44E0}"/>
+              </a:ext>
+            </a:extLst>
+          </p:cNvPr>
+          <p:cNvSpPr>
+            <a:spLocks noGrp="1"/>
+          </p:cNvSpPr>
+          <p:nvPr>
+            <p:ph idx="1"/>
+          </p:nvPr>
         </p:nvSpPr>
         <p:spPr>
           <a:xfrm>
-            <a:off x="2203450" y="2598003"/>
-            <a:ext cx="7785100" cy="830997"/>
-          </a:xfrm>
-          <a:prstGeom prst="rect">
-            <a:avLst/>
-          </a:prstGeom>
-          <a:noFill/>
-        </p:spPr>
-        <p:txBody>
-          <a:bodyPr wrap="square" rtlCol="0">
-            <a:spAutoFit/>
+            <a:off x="2971800" y="3141662"/>
+            <a:ext cx="6248400" cy="574675"/>
+          </a:xfrm>
+        </p:spPr>
+        <p:txBody>
+          <a:bodyPr>
+            <a:normAutofit/>
           </a:bodyPr>
           <a:lstStyle/>
           <a:p>
-            <a:r>
-              <a:rPr kumimoji="1" lang="ja-JP" altLang="en-US" sz="4800" dirty="0"/>
-              <a:t>では実際に使っていきます</a:t>
+            <a:pPr marL="0" indent="0">
+              <a:buNone/>
+            </a:pPr>
+            <a:r>
+              <a:rPr kumimoji="1" lang="ja-JP" altLang="en-US" dirty="0"/>
+              <a:t>現状ロボコンするうえでは必要ない</a:t>
             </a:r>
           </a:p>
         </p:txBody>
@@ -4589,7 +4624,7 @@
     </p:spTree>
     <p:extLst>
       <p:ext uri="{BB962C8B-B14F-4D97-AF65-F5344CB8AC3E}">
-        <p14:creationId xmlns:p14="http://schemas.microsoft.com/office/powerpoint/2010/main" val="1007845095"/>
+        <p14:creationId xmlns:p14="http://schemas.microsoft.com/office/powerpoint/2010/main" val="1533913708"/>
       </p:ext>
     </p:extLst>
   </p:cSld>
@@ -4618,6 +4653,71 @@
       </p:grpSpPr>
       <p:sp>
         <p:nvSpPr>
+          <p:cNvPr id="4" name="テキスト ボックス 3">
+            <a:extLst>
+              <a:ext uri="{FF2B5EF4-FFF2-40B4-BE49-F238E27FC236}">
+                <a16:creationId xmlns:a16="http://schemas.microsoft.com/office/drawing/2014/main" id="{DF557E8C-6016-42AB-86A4-DC59E21BD284}"/>
+              </a:ext>
+            </a:extLst>
+          </p:cNvPr>
+          <p:cNvSpPr txBox="1"/>
+          <p:nvPr/>
+        </p:nvSpPr>
+        <p:spPr>
+          <a:xfrm>
+            <a:off x="2203450" y="2598003"/>
+            <a:ext cx="7785100" cy="830997"/>
+          </a:xfrm>
+          <a:prstGeom prst="rect">
+            <a:avLst/>
+          </a:prstGeom>
+          <a:noFill/>
+        </p:spPr>
+        <p:txBody>
+          <a:bodyPr wrap="square" rtlCol="0">
+            <a:spAutoFit/>
+          </a:bodyPr>
+          <a:lstStyle/>
+          <a:p>
+            <a:r>
+              <a:rPr kumimoji="1" lang="ja-JP" altLang="en-US" sz="4800" dirty="0"/>
+              <a:t>では実際に使っていきます</a:t>
+            </a:r>
+          </a:p>
+        </p:txBody>
+      </p:sp>
+    </p:spTree>
+    <p:extLst>
+      <p:ext uri="{BB962C8B-B14F-4D97-AF65-F5344CB8AC3E}">
+        <p14:creationId xmlns:p14="http://schemas.microsoft.com/office/powerpoint/2010/main" val="1007845095"/>
+      </p:ext>
+    </p:extLst>
+  </p:cSld>
+  <p:clrMapOvr>
+    <a:masterClrMapping/>
+  </p:clrMapOvr>
+</p:sld>
+</file>
+
+<file path=ppt/slides/slide17.xml><?xml version="1.0" encoding="utf-8"?>
+<p:sld xmlns:a="http://schemas.openxmlformats.org/drawingml/2006/main" xmlns:r="http://schemas.openxmlformats.org/officeDocument/2006/relationships" xmlns:p="http://schemas.openxmlformats.org/presentationml/2006/main">
+  <p:cSld>
+    <p:spTree>
+      <p:nvGrpSpPr>
+        <p:cNvPr id="1" name=""/>
+        <p:cNvGrpSpPr/>
+        <p:nvPr/>
+      </p:nvGrpSpPr>
+      <p:grpSpPr>
+        <a:xfrm>
+          <a:off x="0" y="0"/>
+          <a:ext cx="0" cy="0"/>
+          <a:chOff x="0" y="0"/>
+          <a:chExt cx="0" cy="0"/>
+        </a:xfrm>
+      </p:grpSpPr>
+      <p:sp>
+        <p:nvSpPr>
           <p:cNvPr id="2" name="タイトル 1">
             <a:extLst>
               <a:ext uri="{FF2B5EF4-FFF2-40B4-BE49-F238E27FC236}">
@@ -4849,7 +4949,723 @@
 </p:sld>
 </file>
 
-<file path=ppt/slides/slide17.xml><?xml version="1.0" encoding="utf-8"?>
+<file path=ppt/slides/slide18.xml><?xml version="1.0" encoding="utf-8"?>
+<p:sld xmlns:a="http://schemas.openxmlformats.org/drawingml/2006/main" xmlns:r="http://schemas.openxmlformats.org/officeDocument/2006/relationships" xmlns:p="http://schemas.openxmlformats.org/presentationml/2006/main">
+  <p:cSld>
+    <p:spTree>
+      <p:nvGrpSpPr>
+        <p:cNvPr id="1" name=""/>
+        <p:cNvGrpSpPr/>
+        <p:nvPr/>
+      </p:nvGrpSpPr>
+      <p:grpSpPr>
+        <a:xfrm>
+          <a:off x="0" y="0"/>
+          <a:ext cx="0" cy="0"/>
+          <a:chOff x="0" y="0"/>
+          <a:chExt cx="0" cy="0"/>
+        </a:xfrm>
+      </p:grpSpPr>
+      <p:sp>
+        <p:nvSpPr>
+          <p:cNvPr id="4" name="テキスト ボックス 3">
+            <a:extLst>
+              <a:ext uri="{FF2B5EF4-FFF2-40B4-BE49-F238E27FC236}">
+                <a16:creationId xmlns:a16="http://schemas.microsoft.com/office/drawing/2014/main" id="{9828607D-1013-4C64-A617-DD333D3B2105}"/>
+              </a:ext>
+            </a:extLst>
+          </p:cNvPr>
+          <p:cNvSpPr txBox="1"/>
+          <p:nvPr/>
+        </p:nvSpPr>
+        <p:spPr>
+          <a:xfrm>
+            <a:off x="168813" y="4722056"/>
+            <a:ext cx="3185487" cy="1477328"/>
+          </a:xfrm>
+          <a:prstGeom prst="rect">
+            <a:avLst/>
+          </a:prstGeom>
+          <a:noFill/>
+        </p:spPr>
+        <p:txBody>
+          <a:bodyPr wrap="none" rtlCol="0">
+            <a:spAutoFit/>
+          </a:bodyPr>
+          <a:lstStyle/>
+          <a:p>
+            <a:r>
+              <a:rPr kumimoji="1" lang="ja-JP" altLang="en-US" dirty="0"/>
+              <a:t>リポジトリ作成</a:t>
+            </a:r>
+            <a:endParaRPr kumimoji="1" lang="en-US" altLang="ja-JP" dirty="0"/>
+          </a:p>
+          <a:p>
+            <a:r>
+              <a:rPr lang="ja-JP" altLang="en-US" dirty="0"/>
+              <a:t>ブランチ作成</a:t>
+            </a:r>
+            <a:endParaRPr lang="en-US" altLang="ja-JP" dirty="0"/>
+          </a:p>
+          <a:p>
+            <a:r>
+              <a:rPr kumimoji="1" lang="ja-JP" altLang="en-US" dirty="0"/>
+              <a:t>クローンしてローカルで作業</a:t>
+            </a:r>
+            <a:endParaRPr kumimoji="1" lang="en-US" altLang="ja-JP" dirty="0"/>
+          </a:p>
+          <a:p>
+            <a:r>
+              <a:rPr lang="ja-JP" altLang="en-US" dirty="0"/>
+              <a:t>コミットして保存</a:t>
+            </a:r>
+            <a:endParaRPr lang="en-US" altLang="ja-JP" dirty="0"/>
+          </a:p>
+          <a:p>
+            <a:r>
+              <a:rPr kumimoji="1" lang="ja-JP" altLang="en-US" dirty="0"/>
+              <a:t>プッシュしてリモートに反映</a:t>
+            </a:r>
+          </a:p>
+        </p:txBody>
+      </p:sp>
+      <p:sp>
+        <p:nvSpPr>
+          <p:cNvPr id="5" name="正方形/長方形 4">
+            <a:extLst>
+              <a:ext uri="{FF2B5EF4-FFF2-40B4-BE49-F238E27FC236}">
+                <a16:creationId xmlns:a16="http://schemas.microsoft.com/office/drawing/2014/main" id="{F47268BC-4F33-41FD-BB3B-FF981FB65887}"/>
+              </a:ext>
+            </a:extLst>
+          </p:cNvPr>
+          <p:cNvSpPr/>
+          <p:nvPr/>
+        </p:nvSpPr>
+        <p:spPr>
+          <a:xfrm>
+            <a:off x="644769" y="351693"/>
+            <a:ext cx="2827607" cy="647113"/>
+          </a:xfrm>
+          <a:prstGeom prst="rect">
+            <a:avLst/>
+          </a:prstGeom>
+          <a:noFill/>
+        </p:spPr>
+        <p:style>
+          <a:lnRef idx="2">
+            <a:schemeClr val="accent1">
+              <a:shade val="50000"/>
+            </a:schemeClr>
+          </a:lnRef>
+          <a:fillRef idx="1">
+            <a:schemeClr val="accent1"/>
+          </a:fillRef>
+          <a:effectRef idx="0">
+            <a:schemeClr val="accent1"/>
+          </a:effectRef>
+          <a:fontRef idx="minor">
+            <a:schemeClr val="lt1"/>
+          </a:fontRef>
+        </p:style>
+        <p:txBody>
+          <a:bodyPr rtlCol="0" anchor="ctr"/>
+          <a:lstStyle/>
+          <a:p>
+            <a:pPr algn="ctr"/>
+            <a:endParaRPr kumimoji="1" lang="ja-JP" altLang="en-US"/>
+          </a:p>
+        </p:txBody>
+      </p:sp>
+      <p:sp>
+        <p:nvSpPr>
+          <p:cNvPr id="6" name="正方形/長方形 5">
+            <a:extLst>
+              <a:ext uri="{FF2B5EF4-FFF2-40B4-BE49-F238E27FC236}">
+                <a16:creationId xmlns:a16="http://schemas.microsoft.com/office/drawing/2014/main" id="{352F60ED-A06D-461A-987E-8D146857B9B8}"/>
+              </a:ext>
+            </a:extLst>
+          </p:cNvPr>
+          <p:cNvSpPr/>
+          <p:nvPr/>
+        </p:nvSpPr>
+        <p:spPr>
+          <a:xfrm>
+            <a:off x="642424" y="1573238"/>
+            <a:ext cx="2827607" cy="647113"/>
+          </a:xfrm>
+          <a:prstGeom prst="rect">
+            <a:avLst/>
+          </a:prstGeom>
+          <a:noFill/>
+        </p:spPr>
+        <p:style>
+          <a:lnRef idx="2">
+            <a:schemeClr val="accent1">
+              <a:shade val="50000"/>
+            </a:schemeClr>
+          </a:lnRef>
+          <a:fillRef idx="1">
+            <a:schemeClr val="accent1"/>
+          </a:fillRef>
+          <a:effectRef idx="0">
+            <a:schemeClr val="accent1"/>
+          </a:effectRef>
+          <a:fontRef idx="minor">
+            <a:schemeClr val="lt1"/>
+          </a:fontRef>
+        </p:style>
+        <p:txBody>
+          <a:bodyPr rtlCol="0" anchor="ctr"/>
+          <a:lstStyle/>
+          <a:p>
+            <a:pPr algn="ctr"/>
+            <a:endParaRPr kumimoji="1" lang="ja-JP" altLang="en-US"/>
+          </a:p>
+        </p:txBody>
+      </p:sp>
+      <p:sp>
+        <p:nvSpPr>
+          <p:cNvPr id="7" name="正方形/長方形 6">
+            <a:extLst>
+              <a:ext uri="{FF2B5EF4-FFF2-40B4-BE49-F238E27FC236}">
+                <a16:creationId xmlns:a16="http://schemas.microsoft.com/office/drawing/2014/main" id="{0EE97D00-8CA7-469C-93CD-C9396DDE3C23}"/>
+              </a:ext>
+            </a:extLst>
+          </p:cNvPr>
+          <p:cNvSpPr/>
+          <p:nvPr/>
+        </p:nvSpPr>
+        <p:spPr>
+          <a:xfrm>
+            <a:off x="642424" y="2794783"/>
+            <a:ext cx="2827607" cy="647113"/>
+          </a:xfrm>
+          <a:prstGeom prst="rect">
+            <a:avLst/>
+          </a:prstGeom>
+          <a:noFill/>
+        </p:spPr>
+        <p:style>
+          <a:lnRef idx="2">
+            <a:schemeClr val="accent1">
+              <a:shade val="50000"/>
+            </a:schemeClr>
+          </a:lnRef>
+          <a:fillRef idx="1">
+            <a:schemeClr val="accent1"/>
+          </a:fillRef>
+          <a:effectRef idx="0">
+            <a:schemeClr val="accent1"/>
+          </a:effectRef>
+          <a:fontRef idx="minor">
+            <a:schemeClr val="lt1"/>
+          </a:fontRef>
+        </p:style>
+        <p:txBody>
+          <a:bodyPr rtlCol="0" anchor="ctr"/>
+          <a:lstStyle/>
+          <a:p>
+            <a:pPr algn="ctr"/>
+            <a:endParaRPr kumimoji="1" lang="ja-JP" altLang="en-US"/>
+          </a:p>
+        </p:txBody>
+      </p:sp>
+      <p:sp>
+        <p:nvSpPr>
+          <p:cNvPr id="8" name="正方形/長方形 7">
+            <a:extLst>
+              <a:ext uri="{FF2B5EF4-FFF2-40B4-BE49-F238E27FC236}">
+                <a16:creationId xmlns:a16="http://schemas.microsoft.com/office/drawing/2014/main" id="{28A7CDFF-A815-4042-A843-C0E6D0E652F4}"/>
+              </a:ext>
+            </a:extLst>
+          </p:cNvPr>
+          <p:cNvSpPr/>
+          <p:nvPr/>
+        </p:nvSpPr>
+        <p:spPr>
+          <a:xfrm>
+            <a:off x="4679850" y="991774"/>
+            <a:ext cx="2827607" cy="647113"/>
+          </a:xfrm>
+          <a:prstGeom prst="rect">
+            <a:avLst/>
+          </a:prstGeom>
+          <a:noFill/>
+        </p:spPr>
+        <p:style>
+          <a:lnRef idx="2">
+            <a:schemeClr val="accent1">
+              <a:shade val="50000"/>
+            </a:schemeClr>
+          </a:lnRef>
+          <a:fillRef idx="1">
+            <a:schemeClr val="accent1"/>
+          </a:fillRef>
+          <a:effectRef idx="0">
+            <a:schemeClr val="accent1"/>
+          </a:effectRef>
+          <a:fontRef idx="minor">
+            <a:schemeClr val="lt1"/>
+          </a:fontRef>
+        </p:style>
+        <p:txBody>
+          <a:bodyPr rtlCol="0" anchor="ctr"/>
+          <a:lstStyle/>
+          <a:p>
+            <a:pPr algn="ctr"/>
+            <a:endParaRPr kumimoji="1" lang="ja-JP" altLang="en-US"/>
+          </a:p>
+        </p:txBody>
+      </p:sp>
+      <p:sp>
+        <p:nvSpPr>
+          <p:cNvPr id="9" name="正方形/長方形 8">
+            <a:extLst>
+              <a:ext uri="{FF2B5EF4-FFF2-40B4-BE49-F238E27FC236}">
+                <a16:creationId xmlns:a16="http://schemas.microsoft.com/office/drawing/2014/main" id="{A9D2EE08-3FB4-46E3-88BB-B683F41499EA}"/>
+              </a:ext>
+            </a:extLst>
+          </p:cNvPr>
+          <p:cNvSpPr/>
+          <p:nvPr/>
+        </p:nvSpPr>
+        <p:spPr>
+          <a:xfrm>
+            <a:off x="4679850" y="2236765"/>
+            <a:ext cx="2827607" cy="647113"/>
+          </a:xfrm>
+          <a:prstGeom prst="rect">
+            <a:avLst/>
+          </a:prstGeom>
+          <a:noFill/>
+        </p:spPr>
+        <p:style>
+          <a:lnRef idx="2">
+            <a:schemeClr val="accent1">
+              <a:shade val="50000"/>
+            </a:schemeClr>
+          </a:lnRef>
+          <a:fillRef idx="1">
+            <a:schemeClr val="accent1"/>
+          </a:fillRef>
+          <a:effectRef idx="0">
+            <a:schemeClr val="accent1"/>
+          </a:effectRef>
+          <a:fontRef idx="minor">
+            <a:schemeClr val="lt1"/>
+          </a:fontRef>
+        </p:style>
+        <p:txBody>
+          <a:bodyPr rtlCol="0" anchor="ctr"/>
+          <a:lstStyle/>
+          <a:p>
+            <a:pPr algn="ctr"/>
+            <a:endParaRPr kumimoji="1" lang="ja-JP" altLang="en-US"/>
+          </a:p>
+        </p:txBody>
+      </p:sp>
+      <p:cxnSp>
+        <p:nvCxnSpPr>
+          <p:cNvPr id="11" name="直線矢印コネクタ 10">
+            <a:extLst>
+              <a:ext uri="{FF2B5EF4-FFF2-40B4-BE49-F238E27FC236}">
+                <a16:creationId xmlns:a16="http://schemas.microsoft.com/office/drawing/2014/main" id="{F772F327-EA38-48CF-9B1F-7B0535AB1C9C}"/>
+              </a:ext>
+            </a:extLst>
+          </p:cNvPr>
+          <p:cNvCxnSpPr>
+            <a:stCxn id="5" idx="2"/>
+            <a:endCxn id="6" idx="0"/>
+          </p:cNvCxnSpPr>
+          <p:nvPr/>
+        </p:nvCxnSpPr>
+        <p:spPr>
+          <a:xfrm flipH="1">
+            <a:off x="2056228" y="998806"/>
+            <a:ext cx="2345" cy="574432"/>
+          </a:xfrm>
+          <a:prstGeom prst="straightConnector1">
+            <a:avLst/>
+          </a:prstGeom>
+          <a:ln>
+            <a:tailEnd type="triangle"/>
+          </a:ln>
+        </p:spPr>
+        <p:style>
+          <a:lnRef idx="1">
+            <a:schemeClr val="accent1"/>
+          </a:lnRef>
+          <a:fillRef idx="0">
+            <a:schemeClr val="accent1"/>
+          </a:fillRef>
+          <a:effectRef idx="0">
+            <a:schemeClr val="accent1"/>
+          </a:effectRef>
+          <a:fontRef idx="minor">
+            <a:schemeClr val="tx1"/>
+          </a:fontRef>
+        </p:style>
+      </p:cxnSp>
+      <p:cxnSp>
+        <p:nvCxnSpPr>
+          <p:cNvPr id="13" name="直線矢印コネクタ 12">
+            <a:extLst>
+              <a:ext uri="{FF2B5EF4-FFF2-40B4-BE49-F238E27FC236}">
+                <a16:creationId xmlns:a16="http://schemas.microsoft.com/office/drawing/2014/main" id="{946E8727-9694-4AA0-A302-7DDD7079E174}"/>
+              </a:ext>
+            </a:extLst>
+          </p:cNvPr>
+          <p:cNvCxnSpPr>
+            <a:stCxn id="6" idx="2"/>
+            <a:endCxn id="7" idx="0"/>
+          </p:cNvCxnSpPr>
+          <p:nvPr/>
+        </p:nvCxnSpPr>
+        <p:spPr>
+          <a:xfrm>
+            <a:off x="2056228" y="2220351"/>
+            <a:ext cx="0" cy="574432"/>
+          </a:xfrm>
+          <a:prstGeom prst="straightConnector1">
+            <a:avLst/>
+          </a:prstGeom>
+          <a:ln>
+            <a:tailEnd type="triangle"/>
+          </a:ln>
+        </p:spPr>
+        <p:style>
+          <a:lnRef idx="1">
+            <a:schemeClr val="accent1"/>
+          </a:lnRef>
+          <a:fillRef idx="0">
+            <a:schemeClr val="accent1"/>
+          </a:fillRef>
+          <a:effectRef idx="0">
+            <a:schemeClr val="accent1"/>
+          </a:effectRef>
+          <a:fontRef idx="minor">
+            <a:schemeClr val="tx1"/>
+          </a:fontRef>
+        </p:style>
+      </p:cxnSp>
+      <p:cxnSp>
+        <p:nvCxnSpPr>
+          <p:cNvPr id="15" name="直線矢印コネクタ 14">
+            <a:extLst>
+              <a:ext uri="{FF2B5EF4-FFF2-40B4-BE49-F238E27FC236}">
+                <a16:creationId xmlns:a16="http://schemas.microsoft.com/office/drawing/2014/main" id="{ADAAFE0E-C56A-4FF6-8B53-48A9126928D5}"/>
+              </a:ext>
+            </a:extLst>
+          </p:cNvPr>
+          <p:cNvCxnSpPr>
+            <a:stCxn id="8" idx="2"/>
+            <a:endCxn id="9" idx="0"/>
+          </p:cNvCxnSpPr>
+          <p:nvPr/>
+        </p:nvCxnSpPr>
+        <p:spPr>
+          <a:xfrm>
+            <a:off x="6093654" y="1638887"/>
+            <a:ext cx="0" cy="597878"/>
+          </a:xfrm>
+          <a:prstGeom prst="straightConnector1">
+            <a:avLst/>
+          </a:prstGeom>
+          <a:ln>
+            <a:tailEnd type="triangle"/>
+          </a:ln>
+        </p:spPr>
+        <p:style>
+          <a:lnRef idx="1">
+            <a:schemeClr val="accent1"/>
+          </a:lnRef>
+          <a:fillRef idx="0">
+            <a:schemeClr val="accent1"/>
+          </a:fillRef>
+          <a:effectRef idx="0">
+            <a:schemeClr val="accent1"/>
+          </a:effectRef>
+          <a:fontRef idx="minor">
+            <a:schemeClr val="tx1"/>
+          </a:fontRef>
+        </p:style>
+      </p:cxnSp>
+      <p:cxnSp>
+        <p:nvCxnSpPr>
+          <p:cNvPr id="17" name="直線矢印コネクタ 16">
+            <a:extLst>
+              <a:ext uri="{FF2B5EF4-FFF2-40B4-BE49-F238E27FC236}">
+                <a16:creationId xmlns:a16="http://schemas.microsoft.com/office/drawing/2014/main" id="{C7A4D284-EB89-437A-9340-E87691111DC6}"/>
+              </a:ext>
+            </a:extLst>
+          </p:cNvPr>
+          <p:cNvCxnSpPr>
+            <a:stCxn id="7" idx="3"/>
+            <a:endCxn id="9" idx="1"/>
+          </p:cNvCxnSpPr>
+          <p:nvPr/>
+        </p:nvCxnSpPr>
+        <p:spPr>
+          <a:xfrm flipV="1">
+            <a:off x="3470031" y="2560322"/>
+            <a:ext cx="1209819" cy="558018"/>
+          </a:xfrm>
+          <a:prstGeom prst="straightConnector1">
+            <a:avLst/>
+          </a:prstGeom>
+          <a:ln>
+            <a:tailEnd type="triangle"/>
+          </a:ln>
+        </p:spPr>
+        <p:style>
+          <a:lnRef idx="1">
+            <a:schemeClr val="accent1"/>
+          </a:lnRef>
+          <a:fillRef idx="0">
+            <a:schemeClr val="accent1"/>
+          </a:fillRef>
+          <a:effectRef idx="0">
+            <a:schemeClr val="accent1"/>
+          </a:effectRef>
+          <a:fontRef idx="minor">
+            <a:schemeClr val="tx1"/>
+          </a:fontRef>
+        </p:style>
+      </p:cxnSp>
+      <p:sp>
+        <p:nvSpPr>
+          <p:cNvPr id="18" name="正方形/長方形 17">
+            <a:extLst>
+              <a:ext uri="{FF2B5EF4-FFF2-40B4-BE49-F238E27FC236}">
+                <a16:creationId xmlns:a16="http://schemas.microsoft.com/office/drawing/2014/main" id="{68621A96-1F30-4756-AD6C-1FDEC011373E}"/>
+              </a:ext>
+            </a:extLst>
+          </p:cNvPr>
+          <p:cNvSpPr/>
+          <p:nvPr/>
+        </p:nvSpPr>
+        <p:spPr>
+          <a:xfrm>
+            <a:off x="8717274" y="2236765"/>
+            <a:ext cx="2827607" cy="647113"/>
+          </a:xfrm>
+          <a:prstGeom prst="rect">
+            <a:avLst/>
+          </a:prstGeom>
+          <a:noFill/>
+        </p:spPr>
+        <p:style>
+          <a:lnRef idx="2">
+            <a:schemeClr val="accent1">
+              <a:shade val="50000"/>
+            </a:schemeClr>
+          </a:lnRef>
+          <a:fillRef idx="1">
+            <a:schemeClr val="accent1"/>
+          </a:fillRef>
+          <a:effectRef idx="0">
+            <a:schemeClr val="accent1"/>
+          </a:effectRef>
+          <a:fontRef idx="minor">
+            <a:schemeClr val="lt1"/>
+          </a:fontRef>
+        </p:style>
+        <p:txBody>
+          <a:bodyPr rtlCol="0" anchor="ctr"/>
+          <a:lstStyle/>
+          <a:p>
+            <a:pPr algn="ctr"/>
+            <a:endParaRPr kumimoji="1" lang="ja-JP" altLang="en-US"/>
+          </a:p>
+        </p:txBody>
+      </p:sp>
+      <p:cxnSp>
+        <p:nvCxnSpPr>
+          <p:cNvPr id="20" name="直線矢印コネクタ 19">
+            <a:extLst>
+              <a:ext uri="{FF2B5EF4-FFF2-40B4-BE49-F238E27FC236}">
+                <a16:creationId xmlns:a16="http://schemas.microsoft.com/office/drawing/2014/main" id="{EC62D764-3955-4B3A-B9B9-4265A7553BD8}"/>
+              </a:ext>
+            </a:extLst>
+          </p:cNvPr>
+          <p:cNvCxnSpPr>
+            <a:stCxn id="9" idx="3"/>
+            <a:endCxn id="18" idx="1"/>
+          </p:cNvCxnSpPr>
+          <p:nvPr/>
+        </p:nvCxnSpPr>
+        <p:spPr>
+          <a:xfrm>
+            <a:off x="7507457" y="2560322"/>
+            <a:ext cx="1209817" cy="0"/>
+          </a:xfrm>
+          <a:prstGeom prst="straightConnector1">
+            <a:avLst/>
+          </a:prstGeom>
+          <a:ln>
+            <a:tailEnd type="triangle"/>
+          </a:ln>
+        </p:spPr>
+        <p:style>
+          <a:lnRef idx="1">
+            <a:schemeClr val="accent1"/>
+          </a:lnRef>
+          <a:fillRef idx="0">
+            <a:schemeClr val="accent1"/>
+          </a:fillRef>
+          <a:effectRef idx="0">
+            <a:schemeClr val="accent1"/>
+          </a:effectRef>
+          <a:fontRef idx="minor">
+            <a:schemeClr val="tx1"/>
+          </a:fontRef>
+        </p:style>
+      </p:cxnSp>
+      <p:sp>
+        <p:nvSpPr>
+          <p:cNvPr id="23" name="正方形/長方形 22">
+            <a:extLst>
+              <a:ext uri="{FF2B5EF4-FFF2-40B4-BE49-F238E27FC236}">
+                <a16:creationId xmlns:a16="http://schemas.microsoft.com/office/drawing/2014/main" id="{81C2874B-4EE4-4162-9271-B0B1FC437BA2}"/>
+              </a:ext>
+            </a:extLst>
+          </p:cNvPr>
+          <p:cNvSpPr/>
+          <p:nvPr/>
+        </p:nvSpPr>
+        <p:spPr>
+          <a:xfrm>
+            <a:off x="8721968" y="998806"/>
+            <a:ext cx="2827607" cy="647113"/>
+          </a:xfrm>
+          <a:prstGeom prst="rect">
+            <a:avLst/>
+          </a:prstGeom>
+          <a:noFill/>
+        </p:spPr>
+        <p:style>
+          <a:lnRef idx="2">
+            <a:schemeClr val="accent1">
+              <a:shade val="50000"/>
+            </a:schemeClr>
+          </a:lnRef>
+          <a:fillRef idx="1">
+            <a:schemeClr val="accent1"/>
+          </a:fillRef>
+          <a:effectRef idx="0">
+            <a:schemeClr val="accent1"/>
+          </a:effectRef>
+          <a:fontRef idx="minor">
+            <a:schemeClr val="lt1"/>
+          </a:fontRef>
+        </p:style>
+        <p:txBody>
+          <a:bodyPr rtlCol="0" anchor="ctr"/>
+          <a:lstStyle/>
+          <a:p>
+            <a:pPr algn="ctr"/>
+            <a:endParaRPr kumimoji="1" lang="ja-JP" altLang="en-US"/>
+          </a:p>
+        </p:txBody>
+      </p:sp>
+      <p:cxnSp>
+        <p:nvCxnSpPr>
+          <p:cNvPr id="25" name="直線矢印コネクタ 24">
+            <a:extLst>
+              <a:ext uri="{FF2B5EF4-FFF2-40B4-BE49-F238E27FC236}">
+                <a16:creationId xmlns:a16="http://schemas.microsoft.com/office/drawing/2014/main" id="{7872197A-4412-4BA3-9BB7-C3EA1C250614}"/>
+              </a:ext>
+            </a:extLst>
+          </p:cNvPr>
+          <p:cNvCxnSpPr>
+            <a:stCxn id="18" idx="0"/>
+            <a:endCxn id="23" idx="2"/>
+          </p:cNvCxnSpPr>
+          <p:nvPr/>
+        </p:nvCxnSpPr>
+        <p:spPr>
+          <a:xfrm flipV="1">
+            <a:off x="10131078" y="1645919"/>
+            <a:ext cx="4694" cy="590846"/>
+          </a:xfrm>
+          <a:prstGeom prst="straightConnector1">
+            <a:avLst/>
+          </a:prstGeom>
+          <a:ln>
+            <a:tailEnd type="triangle"/>
+          </a:ln>
+        </p:spPr>
+        <p:style>
+          <a:lnRef idx="1">
+            <a:schemeClr val="accent1"/>
+          </a:lnRef>
+          <a:fillRef idx="0">
+            <a:schemeClr val="accent1"/>
+          </a:fillRef>
+          <a:effectRef idx="0">
+            <a:schemeClr val="accent1"/>
+          </a:effectRef>
+          <a:fontRef idx="minor">
+            <a:schemeClr val="tx1"/>
+          </a:fontRef>
+        </p:style>
+      </p:cxnSp>
+      <p:cxnSp>
+        <p:nvCxnSpPr>
+          <p:cNvPr id="27" name="直線矢印コネクタ 26">
+            <a:extLst>
+              <a:ext uri="{FF2B5EF4-FFF2-40B4-BE49-F238E27FC236}">
+                <a16:creationId xmlns:a16="http://schemas.microsoft.com/office/drawing/2014/main" id="{B0E3217F-ACEE-423D-AEDB-A18079CDB67B}"/>
+              </a:ext>
+            </a:extLst>
+          </p:cNvPr>
+          <p:cNvCxnSpPr>
+            <a:stCxn id="23" idx="1"/>
+            <a:endCxn id="8" idx="3"/>
+          </p:cNvCxnSpPr>
+          <p:nvPr/>
+        </p:nvCxnSpPr>
+        <p:spPr>
+          <a:xfrm flipH="1" flipV="1">
+            <a:off x="7507457" y="1315331"/>
+            <a:ext cx="1214511" cy="7032"/>
+          </a:xfrm>
+          <a:prstGeom prst="straightConnector1">
+            <a:avLst/>
+          </a:prstGeom>
+          <a:ln>
+            <a:tailEnd type="triangle"/>
+          </a:ln>
+        </p:spPr>
+        <p:style>
+          <a:lnRef idx="1">
+            <a:schemeClr val="accent1"/>
+          </a:lnRef>
+          <a:fillRef idx="0">
+            <a:schemeClr val="accent1"/>
+          </a:fillRef>
+          <a:effectRef idx="0">
+            <a:schemeClr val="accent1"/>
+          </a:effectRef>
+          <a:fontRef idx="minor">
+            <a:schemeClr val="tx1"/>
+          </a:fontRef>
+        </p:style>
+      </p:cxnSp>
+    </p:spTree>
+    <p:extLst>
+      <p:ext uri="{BB962C8B-B14F-4D97-AF65-F5344CB8AC3E}">
+        <p14:creationId xmlns:p14="http://schemas.microsoft.com/office/powerpoint/2010/main" val="109867771"/>
+      </p:ext>
+    </p:extLst>
+  </p:cSld>
+  <p:clrMapOvr>
+    <a:masterClrMapping/>
+  </p:clrMapOvr>
+</p:sld>
+</file>
+
+<file path=ppt/slides/slide19.xml><?xml version="1.0" encoding="utf-8"?>
 <p:sld xmlns:a="http://schemas.openxmlformats.org/drawingml/2006/main" xmlns:r="http://schemas.openxmlformats.org/officeDocument/2006/relationships" xmlns:p="http://schemas.openxmlformats.org/presentationml/2006/main">
   <p:cSld>
     <p:spTree>
@@ -5086,45 +5902,6 @@
             <a:r>
               <a:rPr kumimoji="1" lang="ja-JP" altLang="en-US" sz="4400" dirty="0"/>
               <a:t>をオンラインで管理できるサービス</a:t>
-            </a:r>
-          </a:p>
-        </p:txBody>
-      </p:sp>
-      <p:sp>
-        <p:nvSpPr>
-          <p:cNvPr id="4" name="テキスト ボックス 3">
-            <a:extLst>
-              <a:ext uri="{FF2B5EF4-FFF2-40B4-BE49-F238E27FC236}">
-                <a16:creationId xmlns:a16="http://schemas.microsoft.com/office/drawing/2014/main" id="{356B7B41-511C-4E00-B3D1-6708B1CC8AE6}"/>
-              </a:ext>
-            </a:extLst>
-          </p:cNvPr>
-          <p:cNvSpPr txBox="1"/>
-          <p:nvPr/>
-        </p:nvSpPr>
-        <p:spPr>
-          <a:xfrm>
-            <a:off x="8061820" y="5872294"/>
-            <a:ext cx="3573414" cy="646331"/>
-          </a:xfrm>
-          <a:prstGeom prst="rect">
-            <a:avLst/>
-          </a:prstGeom>
-          <a:noFill/>
-        </p:spPr>
-        <p:txBody>
-          <a:bodyPr wrap="none" rtlCol="0">
-            <a:spAutoFit/>
-          </a:bodyPr>
-          <a:lstStyle/>
-          <a:p>
-            <a:r>
-              <a:rPr kumimoji="1" lang="en-US" altLang="ja-JP" sz="3600" dirty="0"/>
-              <a:t>Git</a:t>
-            </a:r>
-            <a:r>
-              <a:rPr kumimoji="1" lang="ja-JP" altLang="en-US" sz="3600" dirty="0"/>
-              <a:t>てなんやねん</a:t>
             </a:r>
           </a:p>
         </p:txBody>
@@ -5759,120 +6536,357 @@
       </p:grpSpPr>
       <p:sp>
         <p:nvSpPr>
-          <p:cNvPr id="2" name="タイトル 1">
-            <a:extLst>
-              <a:ext uri="{FF2B5EF4-FFF2-40B4-BE49-F238E27FC236}">
-                <a16:creationId xmlns:a16="http://schemas.microsoft.com/office/drawing/2014/main" id="{E03452D1-B19B-4E42-9BC3-6DF37315F0C1}"/>
-              </a:ext>
-            </a:extLst>
-          </p:cNvPr>
-          <p:cNvSpPr>
-            <a:spLocks noGrp="1"/>
-          </p:cNvSpPr>
-          <p:nvPr>
-            <p:ph type="title"/>
-          </p:nvPr>
-        </p:nvSpPr>
-        <p:spPr/>
-        <p:txBody>
-          <a:bodyPr>
-            <a:normAutofit/>
-          </a:bodyPr>
-          <a:lstStyle/>
-          <a:p>
-            <a:r>
-              <a:rPr kumimoji="1" lang="ja-JP" altLang="en-US" sz="4800" dirty="0"/>
-              <a:t>コミットとは</a:t>
-            </a:r>
-          </a:p>
-        </p:txBody>
-      </p:sp>
-      <p:pic>
-        <p:nvPicPr>
-          <p:cNvPr id="4098" name="Picture 2">
-            <a:extLst>
-              <a:ext uri="{FF2B5EF4-FFF2-40B4-BE49-F238E27FC236}">
-                <a16:creationId xmlns:a16="http://schemas.microsoft.com/office/drawing/2014/main" id="{5D505A8A-895A-474B-91C1-AF452488129B}"/>
-              </a:ext>
-            </a:extLst>
-          </p:cNvPr>
-          <p:cNvPicPr>
-            <a:picLocks noChangeAspect="1" noChangeArrowheads="1"/>
-          </p:cNvPicPr>
+          <p:cNvPr id="4" name="正方形/長方形 3">
+            <a:extLst>
+              <a:ext uri="{FF2B5EF4-FFF2-40B4-BE49-F238E27FC236}">
+                <a16:creationId xmlns:a16="http://schemas.microsoft.com/office/drawing/2014/main" id="{3E09F370-CE21-4009-BC47-02359E010749}"/>
+              </a:ext>
+            </a:extLst>
+          </p:cNvPr>
+          <p:cNvSpPr/>
           <p:nvPr/>
-        </p:nvPicPr>
-        <p:blipFill>
-          <a:blip r:embed="rId2">
-            <a:extLst>
-              <a:ext uri="{28A0092B-C50C-407E-A947-70E740481C1C}">
-                <a14:useLocalDpi xmlns:a14="http://schemas.microsoft.com/office/drawing/2010/main" val="0"/>
-              </a:ext>
-            </a:extLst>
-          </a:blip>
-          <a:srcRect/>
-          <a:stretch>
-            <a:fillRect/>
-          </a:stretch>
-        </p:blipFill>
-        <p:spPr bwMode="auto">
-          <a:xfrm>
-            <a:off x="2602949" y="3429000"/>
-            <a:ext cx="6986102" cy="2184657"/>
+        </p:nvSpPr>
+        <p:spPr>
+          <a:xfrm>
+            <a:off x="604910" y="464234"/>
+            <a:ext cx="2489981" cy="3249637"/>
           </a:xfrm>
           <a:prstGeom prst="rect">
             <a:avLst/>
           </a:prstGeom>
           <a:noFill/>
-          <a:extLst>
-            <a:ext uri="{909E8E84-426E-40DD-AFC4-6F175D3DCCD1}">
-              <a14:hiddenFill xmlns:a14="http://schemas.microsoft.com/office/drawing/2010/main">
-                <a:solidFill>
-                  <a:srgbClr val="FFFFFF"/>
-                </a:solidFill>
-              </a14:hiddenFill>
-            </a:ext>
-          </a:extLst>
-        </p:spPr>
-      </p:pic>
-      <p:sp>
-        <p:nvSpPr>
-          <p:cNvPr id="4" name="テキスト ボックス 3">
-            <a:extLst>
-              <a:ext uri="{FF2B5EF4-FFF2-40B4-BE49-F238E27FC236}">
-                <a16:creationId xmlns:a16="http://schemas.microsoft.com/office/drawing/2014/main" id="{82B03099-E5AF-43C9-B70D-8E4FA4B91D11}"/>
-              </a:ext>
-            </a:extLst>
-          </p:cNvPr>
-          <p:cNvSpPr txBox="1"/>
+        </p:spPr>
+        <p:style>
+          <a:lnRef idx="2">
+            <a:schemeClr val="accent1">
+              <a:shade val="50000"/>
+            </a:schemeClr>
+          </a:lnRef>
+          <a:fillRef idx="1">
+            <a:schemeClr val="accent1"/>
+          </a:fillRef>
+          <a:effectRef idx="0">
+            <a:schemeClr val="accent1"/>
+          </a:effectRef>
+          <a:fontRef idx="minor">
+            <a:schemeClr val="lt1"/>
+          </a:fontRef>
+        </p:style>
+        <p:txBody>
+          <a:bodyPr rtlCol="0" anchor="ctr"/>
+          <a:lstStyle/>
+          <a:p>
+            <a:pPr algn="ctr"/>
+            <a:endParaRPr kumimoji="1" lang="ja-JP" altLang="en-US"/>
+          </a:p>
+        </p:txBody>
+      </p:sp>
+      <p:sp>
+        <p:nvSpPr>
+          <p:cNvPr id="5" name="正方形/長方形 4">
+            <a:extLst>
+              <a:ext uri="{FF2B5EF4-FFF2-40B4-BE49-F238E27FC236}">
+                <a16:creationId xmlns:a16="http://schemas.microsoft.com/office/drawing/2014/main" id="{AA12D3F8-6559-468A-9DF6-B04AE537325D}"/>
+              </a:ext>
+            </a:extLst>
+          </p:cNvPr>
+          <p:cNvSpPr/>
           <p:nvPr/>
         </p:nvSpPr>
         <p:spPr>
           <a:xfrm>
-            <a:off x="3363985" y="1690688"/>
-            <a:ext cx="2732015" cy="523220"/>
+            <a:off x="4851009" y="464233"/>
+            <a:ext cx="2489981" cy="3249637"/>
           </a:xfrm>
           <a:prstGeom prst="rect">
             <a:avLst/>
           </a:prstGeom>
           <a:noFill/>
         </p:spPr>
-        <p:txBody>
-          <a:bodyPr wrap="square" rtlCol="0">
+        <p:style>
+          <a:lnRef idx="2">
+            <a:schemeClr val="accent1">
+              <a:shade val="50000"/>
+            </a:schemeClr>
+          </a:lnRef>
+          <a:fillRef idx="1">
+            <a:schemeClr val="accent1"/>
+          </a:fillRef>
+          <a:effectRef idx="0">
+            <a:schemeClr val="accent1"/>
+          </a:effectRef>
+          <a:fontRef idx="minor">
+            <a:schemeClr val="lt1"/>
+          </a:fontRef>
+        </p:style>
+        <p:txBody>
+          <a:bodyPr rtlCol="0" anchor="ctr"/>
+          <a:lstStyle/>
+          <a:p>
+            <a:pPr algn="ctr"/>
+            <a:endParaRPr kumimoji="1" lang="ja-JP" altLang="en-US"/>
+          </a:p>
+        </p:txBody>
+      </p:sp>
+      <p:sp>
+        <p:nvSpPr>
+          <p:cNvPr id="6" name="正方形/長方形 5">
+            <a:extLst>
+              <a:ext uri="{FF2B5EF4-FFF2-40B4-BE49-F238E27FC236}">
+                <a16:creationId xmlns:a16="http://schemas.microsoft.com/office/drawing/2014/main" id="{4CC78C81-0D94-4A43-940D-ED90AB6AAF2C}"/>
+              </a:ext>
+            </a:extLst>
+          </p:cNvPr>
+          <p:cNvSpPr/>
+          <p:nvPr/>
+        </p:nvSpPr>
+        <p:spPr>
+          <a:xfrm>
+            <a:off x="9097108" y="464232"/>
+            <a:ext cx="2489981" cy="3249637"/>
+          </a:xfrm>
+          <a:prstGeom prst="rect">
+            <a:avLst/>
+          </a:prstGeom>
+          <a:noFill/>
+        </p:spPr>
+        <p:style>
+          <a:lnRef idx="2">
+            <a:schemeClr val="accent1">
+              <a:shade val="50000"/>
+            </a:schemeClr>
+          </a:lnRef>
+          <a:fillRef idx="1">
+            <a:schemeClr val="accent1"/>
+          </a:fillRef>
+          <a:effectRef idx="0">
+            <a:schemeClr val="accent1"/>
+          </a:effectRef>
+          <a:fontRef idx="minor">
+            <a:schemeClr val="lt1"/>
+          </a:fontRef>
+        </p:style>
+        <p:txBody>
+          <a:bodyPr rtlCol="0" anchor="ctr"/>
+          <a:lstStyle/>
+          <a:p>
+            <a:pPr algn="ctr"/>
+            <a:endParaRPr kumimoji="1" lang="ja-JP" altLang="en-US"/>
+          </a:p>
+        </p:txBody>
+      </p:sp>
+      <p:sp>
+        <p:nvSpPr>
+          <p:cNvPr id="7" name="テキスト ボックス 6">
+            <a:extLst>
+              <a:ext uri="{FF2B5EF4-FFF2-40B4-BE49-F238E27FC236}">
+                <a16:creationId xmlns:a16="http://schemas.microsoft.com/office/drawing/2014/main" id="{A630128F-C9EF-466D-AD5C-A22BA1B4A304}"/>
+              </a:ext>
+            </a:extLst>
+          </p:cNvPr>
+          <p:cNvSpPr txBox="1"/>
+          <p:nvPr/>
+        </p:nvSpPr>
+        <p:spPr>
+          <a:xfrm>
+            <a:off x="900601" y="464232"/>
+            <a:ext cx="949299" cy="646331"/>
+          </a:xfrm>
+          <a:prstGeom prst="rect">
+            <a:avLst/>
+          </a:prstGeom>
+          <a:noFill/>
+        </p:spPr>
+        <p:txBody>
+          <a:bodyPr wrap="none" rtlCol="0">
             <a:spAutoFit/>
           </a:bodyPr>
           <a:lstStyle/>
           <a:p>
             <a:r>
-              <a:rPr kumimoji="1" lang="ja-JP" altLang="en-US" sz="2800" dirty="0"/>
-              <a:t>変更履歴の記録</a:t>
-            </a:r>
+              <a:rPr kumimoji="1" lang="en-US" altLang="ja-JP" sz="3600" dirty="0" err="1"/>
+              <a:t>abc</a:t>
+            </a:r>
+            <a:endParaRPr kumimoji="1" lang="ja-JP" altLang="en-US" sz="3600" dirty="0"/>
+          </a:p>
+        </p:txBody>
+      </p:sp>
+      <p:cxnSp>
+        <p:nvCxnSpPr>
+          <p:cNvPr id="9" name="直線矢印コネクタ 8">
+            <a:extLst>
+              <a:ext uri="{FF2B5EF4-FFF2-40B4-BE49-F238E27FC236}">
+                <a16:creationId xmlns:a16="http://schemas.microsoft.com/office/drawing/2014/main" id="{599CB2E3-5BB7-4176-B39D-D6404B72E281}"/>
+              </a:ext>
+            </a:extLst>
+          </p:cNvPr>
+          <p:cNvCxnSpPr>
+            <a:stCxn id="4" idx="3"/>
+            <a:endCxn id="5" idx="1"/>
+          </p:cNvCxnSpPr>
+          <p:nvPr/>
+        </p:nvCxnSpPr>
+        <p:spPr>
+          <a:xfrm flipV="1">
+            <a:off x="3094891" y="2089052"/>
+            <a:ext cx="1756118" cy="1"/>
+          </a:xfrm>
+          <a:prstGeom prst="straightConnector1">
+            <a:avLst/>
+          </a:prstGeom>
+          <a:ln>
+            <a:tailEnd type="triangle"/>
+          </a:ln>
+        </p:spPr>
+        <p:style>
+          <a:lnRef idx="1">
+            <a:schemeClr val="accent1"/>
+          </a:lnRef>
+          <a:fillRef idx="0">
+            <a:schemeClr val="accent1"/>
+          </a:fillRef>
+          <a:effectRef idx="0">
+            <a:schemeClr val="accent1"/>
+          </a:effectRef>
+          <a:fontRef idx="minor">
+            <a:schemeClr val="tx1"/>
+          </a:fontRef>
+        </p:style>
+      </p:cxnSp>
+      <p:cxnSp>
+        <p:nvCxnSpPr>
+          <p:cNvPr id="11" name="直線矢印コネクタ 10">
+            <a:extLst>
+              <a:ext uri="{FF2B5EF4-FFF2-40B4-BE49-F238E27FC236}">
+                <a16:creationId xmlns:a16="http://schemas.microsoft.com/office/drawing/2014/main" id="{BFD97E69-6528-4BE8-8E28-B793D6781164}"/>
+              </a:ext>
+            </a:extLst>
+          </p:cNvPr>
+          <p:cNvCxnSpPr>
+            <a:stCxn id="5" idx="3"/>
+            <a:endCxn id="6" idx="1"/>
+          </p:cNvCxnSpPr>
+          <p:nvPr/>
+        </p:nvCxnSpPr>
+        <p:spPr>
+          <a:xfrm flipV="1">
+            <a:off x="7340990" y="2089051"/>
+            <a:ext cx="1756118" cy="1"/>
+          </a:xfrm>
+          <a:prstGeom prst="straightConnector1">
+            <a:avLst/>
+          </a:prstGeom>
+          <a:ln>
+            <a:tailEnd type="triangle"/>
+          </a:ln>
+        </p:spPr>
+        <p:style>
+          <a:lnRef idx="1">
+            <a:schemeClr val="accent1"/>
+          </a:lnRef>
+          <a:fillRef idx="0">
+            <a:schemeClr val="accent1"/>
+          </a:fillRef>
+          <a:effectRef idx="0">
+            <a:schemeClr val="accent1"/>
+          </a:effectRef>
+          <a:fontRef idx="minor">
+            <a:schemeClr val="tx1"/>
+          </a:fontRef>
+        </p:style>
+      </p:cxnSp>
+      <p:sp>
+        <p:nvSpPr>
+          <p:cNvPr id="12" name="テキスト ボックス 11">
+            <a:extLst>
+              <a:ext uri="{FF2B5EF4-FFF2-40B4-BE49-F238E27FC236}">
+                <a16:creationId xmlns:a16="http://schemas.microsoft.com/office/drawing/2014/main" id="{8A4B048D-8BD6-491F-99DD-9A689409218E}"/>
+              </a:ext>
+            </a:extLst>
+          </p:cNvPr>
+          <p:cNvSpPr txBox="1"/>
+          <p:nvPr/>
+        </p:nvSpPr>
+        <p:spPr>
+          <a:xfrm>
+            <a:off x="9472949" y="464231"/>
+            <a:ext cx="869149" cy="646331"/>
+          </a:xfrm>
+          <a:prstGeom prst="rect">
+            <a:avLst/>
+          </a:prstGeom>
+          <a:noFill/>
+        </p:spPr>
+        <p:txBody>
+          <a:bodyPr wrap="none" rtlCol="0">
+            <a:spAutoFit/>
+          </a:bodyPr>
+          <a:lstStyle/>
+          <a:p>
+            <a:r>
+              <a:rPr kumimoji="1" lang="en-US" altLang="ja-JP" sz="3600" dirty="0" err="1"/>
+              <a:t>edf</a:t>
+            </a:r>
+            <a:endParaRPr kumimoji="1" lang="ja-JP" altLang="en-US" sz="3600" dirty="0"/>
+          </a:p>
+        </p:txBody>
+      </p:sp>
+      <p:sp>
+        <p:nvSpPr>
+          <p:cNvPr id="13" name="テキスト ボックス 12">
+            <a:extLst>
+              <a:ext uri="{FF2B5EF4-FFF2-40B4-BE49-F238E27FC236}">
+                <a16:creationId xmlns:a16="http://schemas.microsoft.com/office/drawing/2014/main" id="{D62513A8-305D-4C7A-AD3E-CFD465D26ABD}"/>
+              </a:ext>
+            </a:extLst>
+          </p:cNvPr>
+          <p:cNvSpPr txBox="1"/>
+          <p:nvPr/>
+        </p:nvSpPr>
+        <p:spPr>
+          <a:xfrm>
+            <a:off x="2970784" y="5747435"/>
+            <a:ext cx="6250429" cy="646331"/>
+          </a:xfrm>
+          <a:prstGeom prst="rect">
+            <a:avLst/>
+          </a:prstGeom>
+          <a:noFill/>
+        </p:spPr>
+        <p:txBody>
+          <a:bodyPr wrap="none" rtlCol="0">
+            <a:spAutoFit/>
+          </a:bodyPr>
+          <a:lstStyle/>
+          <a:p>
+            <a:r>
+              <a:rPr lang="ja-JP" altLang="en-US" sz="3600" dirty="0"/>
+              <a:t>「</a:t>
+            </a:r>
+            <a:r>
+              <a:rPr lang="en-US" altLang="ja-JP" sz="3600" dirty="0" err="1"/>
+              <a:t>abc</a:t>
+            </a:r>
+            <a:r>
+              <a:rPr lang="ja-JP" altLang="en-US" sz="3600" dirty="0"/>
+              <a:t>が消され</a:t>
+            </a:r>
+            <a:r>
+              <a:rPr lang="en-US" altLang="ja-JP" sz="3600" dirty="0" err="1"/>
+              <a:t>edf</a:t>
+            </a:r>
+            <a:r>
+              <a:rPr lang="ja-JP" altLang="en-US" sz="3600" dirty="0"/>
+              <a:t>と書いた」</a:t>
+            </a:r>
+            <a:endParaRPr kumimoji="1" lang="en-US" altLang="ja-JP" sz="3600" dirty="0"/>
           </a:p>
         </p:txBody>
       </p:sp>
     </p:spTree>
     <p:extLst>
       <p:ext uri="{BB962C8B-B14F-4D97-AF65-F5344CB8AC3E}">
-        <p14:creationId xmlns:p14="http://schemas.microsoft.com/office/powerpoint/2010/main" val="3302387022"/>
+        <p14:creationId xmlns:p14="http://schemas.microsoft.com/office/powerpoint/2010/main" val="1108263829"/>
       </p:ext>
     </p:extLst>
   </p:cSld>
@@ -5904,7 +6918,7 @@
           <p:cNvPr id="2" name="タイトル 1">
             <a:extLst>
               <a:ext uri="{FF2B5EF4-FFF2-40B4-BE49-F238E27FC236}">
-                <a16:creationId xmlns:a16="http://schemas.microsoft.com/office/drawing/2014/main" id="{93549EC4-5C78-4AEF-A42D-6EEC572359F8}"/>
+                <a16:creationId xmlns:a16="http://schemas.microsoft.com/office/drawing/2014/main" id="{E03452D1-B19B-4E42-9BC3-6DF37315F0C1}"/>
               </a:ext>
             </a:extLst>
           </p:cNvPr>
@@ -5924,53 +6938,17 @@
           <a:p>
             <a:r>
               <a:rPr kumimoji="1" lang="ja-JP" altLang="en-US" sz="4800" dirty="0"/>
-              <a:t>プッシュとは</a:t>
-            </a:r>
-          </a:p>
-        </p:txBody>
-      </p:sp>
-      <p:sp>
-        <p:nvSpPr>
-          <p:cNvPr id="3" name="コンテンツ プレースホルダー 2">
-            <a:extLst>
-              <a:ext uri="{FF2B5EF4-FFF2-40B4-BE49-F238E27FC236}">
-                <a16:creationId xmlns:a16="http://schemas.microsoft.com/office/drawing/2014/main" id="{BFF0072B-7C16-4706-9310-BB66D9A01893}"/>
-              </a:ext>
-            </a:extLst>
-          </p:cNvPr>
-          <p:cNvSpPr>
-            <a:spLocks noGrp="1"/>
-          </p:cNvSpPr>
-          <p:nvPr>
-            <p:ph idx="1"/>
-          </p:nvPr>
-        </p:nvSpPr>
-        <p:spPr>
-          <a:xfrm>
-            <a:off x="762699" y="1690688"/>
-            <a:ext cx="7701793" cy="548459"/>
-          </a:xfrm>
-        </p:spPr>
-        <p:txBody>
-          <a:bodyPr/>
-          <a:lstStyle/>
-          <a:p>
-            <a:pPr marL="0" indent="0">
-              <a:buNone/>
-            </a:pPr>
-            <a:r>
-              <a:rPr kumimoji="1" lang="ja-JP" altLang="en-US" dirty="0"/>
-              <a:t>変更履歴をリポジトリにリモートアップロード</a:t>
+              <a:t>コミットとは</a:t>
             </a:r>
           </a:p>
         </p:txBody>
       </p:sp>
       <p:pic>
         <p:nvPicPr>
-          <p:cNvPr id="1026" name="Picture 2">
-            <a:extLst>
-              <a:ext uri="{FF2B5EF4-FFF2-40B4-BE49-F238E27FC236}">
-                <a16:creationId xmlns:a16="http://schemas.microsoft.com/office/drawing/2014/main" id="{D1BAF67A-A5A0-408C-8A5B-174153BFE387}"/>
+          <p:cNvPr id="4098" name="Picture 2">
+            <a:extLst>
+              <a:ext uri="{FF2B5EF4-FFF2-40B4-BE49-F238E27FC236}">
+                <a16:creationId xmlns:a16="http://schemas.microsoft.com/office/drawing/2014/main" id="{5D505A8A-895A-474B-91C1-AF452488129B}"/>
               </a:ext>
             </a:extLst>
           </p:cNvPr>
@@ -5994,8 +6972,8 @@
         </p:blipFill>
         <p:spPr bwMode="auto">
           <a:xfrm>
-            <a:off x="2378640" y="3117367"/>
-            <a:ext cx="7434720" cy="2516148"/>
+            <a:off x="2602949" y="3429000"/>
+            <a:ext cx="6986102" cy="2184657"/>
           </a:xfrm>
           <a:prstGeom prst="rect">
             <a:avLst/>
@@ -6012,10 +6990,45 @@
           </a:extLst>
         </p:spPr>
       </p:pic>
+      <p:sp>
+        <p:nvSpPr>
+          <p:cNvPr id="4" name="テキスト ボックス 3">
+            <a:extLst>
+              <a:ext uri="{FF2B5EF4-FFF2-40B4-BE49-F238E27FC236}">
+                <a16:creationId xmlns:a16="http://schemas.microsoft.com/office/drawing/2014/main" id="{82B03099-E5AF-43C9-B70D-8E4FA4B91D11}"/>
+              </a:ext>
+            </a:extLst>
+          </p:cNvPr>
+          <p:cNvSpPr txBox="1"/>
+          <p:nvPr/>
+        </p:nvSpPr>
+        <p:spPr>
+          <a:xfrm>
+            <a:off x="3363985" y="1690688"/>
+            <a:ext cx="2732015" cy="523220"/>
+          </a:xfrm>
+          <a:prstGeom prst="rect">
+            <a:avLst/>
+          </a:prstGeom>
+          <a:noFill/>
+        </p:spPr>
+        <p:txBody>
+          <a:bodyPr wrap="square" rtlCol="0">
+            <a:spAutoFit/>
+          </a:bodyPr>
+          <a:lstStyle/>
+          <a:p>
+            <a:r>
+              <a:rPr kumimoji="1" lang="ja-JP" altLang="en-US" sz="2800" dirty="0"/>
+              <a:t>変更履歴の記録</a:t>
+            </a:r>
+          </a:p>
+        </p:txBody>
+      </p:sp>
     </p:spTree>
     <p:extLst>
       <p:ext uri="{BB962C8B-B14F-4D97-AF65-F5344CB8AC3E}">
-        <p14:creationId xmlns:p14="http://schemas.microsoft.com/office/powerpoint/2010/main" val="564033832"/>
+        <p14:creationId xmlns:p14="http://schemas.microsoft.com/office/powerpoint/2010/main" val="3302387022"/>
       </p:ext>
     </p:extLst>
   </p:cSld>

--- a/description.pptx
+++ b/description.pptx
@@ -277,7 +277,7 @@
           <a:p>
             <a:fld id="{54B9FF6F-C651-4C28-B86D-7D53BF5155B9}" type="datetimeFigureOut">
               <a:rPr kumimoji="1" lang="ja-JP" altLang="en-US" smtClean="0"/>
-              <a:t>2020/4/24</a:t>
+              <a:t>2020/4/25</a:t>
             </a:fld>
             <a:endParaRPr kumimoji="1" lang="ja-JP" altLang="en-US"/>
           </a:p>
@@ -507,7 +507,7 @@
           <a:p>
             <a:fld id="{54B9FF6F-C651-4C28-B86D-7D53BF5155B9}" type="datetimeFigureOut">
               <a:rPr kumimoji="1" lang="ja-JP" altLang="en-US" smtClean="0"/>
-              <a:t>2020/4/24</a:t>
+              <a:t>2020/4/25</a:t>
             </a:fld>
             <a:endParaRPr kumimoji="1" lang="ja-JP" altLang="en-US"/>
           </a:p>
@@ -747,7 +747,7 @@
           <a:p>
             <a:fld id="{54B9FF6F-C651-4C28-B86D-7D53BF5155B9}" type="datetimeFigureOut">
               <a:rPr kumimoji="1" lang="ja-JP" altLang="en-US" smtClean="0"/>
-              <a:t>2020/4/24</a:t>
+              <a:t>2020/4/25</a:t>
             </a:fld>
             <a:endParaRPr kumimoji="1" lang="ja-JP" altLang="en-US"/>
           </a:p>
@@ -977,7 +977,7 @@
           <a:p>
             <a:fld id="{54B9FF6F-C651-4C28-B86D-7D53BF5155B9}" type="datetimeFigureOut">
               <a:rPr kumimoji="1" lang="ja-JP" altLang="en-US" smtClean="0"/>
-              <a:t>2020/4/24</a:t>
+              <a:t>2020/4/25</a:t>
             </a:fld>
             <a:endParaRPr kumimoji="1" lang="ja-JP" altLang="en-US"/>
           </a:p>
@@ -1252,7 +1252,7 @@
           <a:p>
             <a:fld id="{54B9FF6F-C651-4C28-B86D-7D53BF5155B9}" type="datetimeFigureOut">
               <a:rPr kumimoji="1" lang="ja-JP" altLang="en-US" smtClean="0"/>
-              <a:t>2020/4/24</a:t>
+              <a:t>2020/4/25</a:t>
             </a:fld>
             <a:endParaRPr kumimoji="1" lang="ja-JP" altLang="en-US"/>
           </a:p>
@@ -1581,7 +1581,7 @@
           <a:p>
             <a:fld id="{54B9FF6F-C651-4C28-B86D-7D53BF5155B9}" type="datetimeFigureOut">
               <a:rPr kumimoji="1" lang="ja-JP" altLang="en-US" smtClean="0"/>
-              <a:t>2020/4/24</a:t>
+              <a:t>2020/4/25</a:t>
             </a:fld>
             <a:endParaRPr kumimoji="1" lang="ja-JP" altLang="en-US"/>
           </a:p>
@@ -2057,7 +2057,7 @@
           <a:p>
             <a:fld id="{54B9FF6F-C651-4C28-B86D-7D53BF5155B9}" type="datetimeFigureOut">
               <a:rPr kumimoji="1" lang="ja-JP" altLang="en-US" smtClean="0"/>
-              <a:t>2020/4/24</a:t>
+              <a:t>2020/4/25</a:t>
             </a:fld>
             <a:endParaRPr kumimoji="1" lang="ja-JP" altLang="en-US"/>
           </a:p>
@@ -2198,7 +2198,7 @@
           <a:p>
             <a:fld id="{54B9FF6F-C651-4C28-B86D-7D53BF5155B9}" type="datetimeFigureOut">
               <a:rPr kumimoji="1" lang="ja-JP" altLang="en-US" smtClean="0"/>
-              <a:t>2020/4/24</a:t>
+              <a:t>2020/4/25</a:t>
             </a:fld>
             <a:endParaRPr kumimoji="1" lang="ja-JP" altLang="en-US"/>
           </a:p>
@@ -2311,7 +2311,7 @@
           <a:p>
             <a:fld id="{54B9FF6F-C651-4C28-B86D-7D53BF5155B9}" type="datetimeFigureOut">
               <a:rPr kumimoji="1" lang="ja-JP" altLang="en-US" smtClean="0"/>
-              <a:t>2020/4/24</a:t>
+              <a:t>2020/4/25</a:t>
             </a:fld>
             <a:endParaRPr kumimoji="1" lang="ja-JP" altLang="en-US"/>
           </a:p>
@@ -2654,7 +2654,7 @@
           <a:p>
             <a:fld id="{54B9FF6F-C651-4C28-B86D-7D53BF5155B9}" type="datetimeFigureOut">
               <a:rPr kumimoji="1" lang="ja-JP" altLang="en-US" smtClean="0"/>
-              <a:t>2020/4/24</a:t>
+              <a:t>2020/4/25</a:t>
             </a:fld>
             <a:endParaRPr kumimoji="1" lang="ja-JP" altLang="en-US"/>
           </a:p>
@@ -2942,7 +2942,7 @@
           <a:p>
             <a:fld id="{54B9FF6F-C651-4C28-B86D-7D53BF5155B9}" type="datetimeFigureOut">
               <a:rPr kumimoji="1" lang="ja-JP" altLang="en-US" smtClean="0"/>
-              <a:t>2020/4/24</a:t>
+              <a:t>2020/4/25</a:t>
             </a:fld>
             <a:endParaRPr kumimoji="1" lang="ja-JP" altLang="en-US"/>
           </a:p>
@@ -3215,7 +3215,7 @@
           <a:p>
             <a:fld id="{54B9FF6F-C651-4C28-B86D-7D53BF5155B9}" type="datetimeFigureOut">
               <a:rPr kumimoji="1" lang="ja-JP" altLang="en-US" smtClean="0"/>
-              <a:t>2020/4/24</a:t>
+              <a:t>2020/4/25</a:t>
             </a:fld>
             <a:endParaRPr kumimoji="1" lang="ja-JP" altLang="en-US"/>
           </a:p>
@@ -4968,69 +4968,6 @@
       </p:grpSpPr>
       <p:sp>
         <p:nvSpPr>
-          <p:cNvPr id="4" name="テキスト ボックス 3">
-            <a:extLst>
-              <a:ext uri="{FF2B5EF4-FFF2-40B4-BE49-F238E27FC236}">
-                <a16:creationId xmlns:a16="http://schemas.microsoft.com/office/drawing/2014/main" id="{9828607D-1013-4C64-A617-DD333D3B2105}"/>
-              </a:ext>
-            </a:extLst>
-          </p:cNvPr>
-          <p:cNvSpPr txBox="1"/>
-          <p:nvPr/>
-        </p:nvSpPr>
-        <p:spPr>
-          <a:xfrm>
-            <a:off x="168813" y="4722056"/>
-            <a:ext cx="3185487" cy="1477328"/>
-          </a:xfrm>
-          <a:prstGeom prst="rect">
-            <a:avLst/>
-          </a:prstGeom>
-          <a:noFill/>
-        </p:spPr>
-        <p:txBody>
-          <a:bodyPr wrap="none" rtlCol="0">
-            <a:spAutoFit/>
-          </a:bodyPr>
-          <a:lstStyle/>
-          <a:p>
-            <a:r>
-              <a:rPr kumimoji="1" lang="ja-JP" altLang="en-US" dirty="0"/>
-              <a:t>リポジトリ作成</a:t>
-            </a:r>
-            <a:endParaRPr kumimoji="1" lang="en-US" altLang="ja-JP" dirty="0"/>
-          </a:p>
-          <a:p>
-            <a:r>
-              <a:rPr lang="ja-JP" altLang="en-US" dirty="0"/>
-              <a:t>ブランチ作成</a:t>
-            </a:r>
-            <a:endParaRPr lang="en-US" altLang="ja-JP" dirty="0"/>
-          </a:p>
-          <a:p>
-            <a:r>
-              <a:rPr kumimoji="1" lang="ja-JP" altLang="en-US" dirty="0"/>
-              <a:t>クローンしてローカルで作業</a:t>
-            </a:r>
-            <a:endParaRPr kumimoji="1" lang="en-US" altLang="ja-JP" dirty="0"/>
-          </a:p>
-          <a:p>
-            <a:r>
-              <a:rPr lang="ja-JP" altLang="en-US" dirty="0"/>
-              <a:t>コミットして保存</a:t>
-            </a:r>
-            <a:endParaRPr lang="en-US" altLang="ja-JP" dirty="0"/>
-          </a:p>
-          <a:p>
-            <a:r>
-              <a:rPr kumimoji="1" lang="ja-JP" altLang="en-US" dirty="0"/>
-              <a:t>プッシュしてリモートに反映</a:t>
-            </a:r>
-          </a:p>
-        </p:txBody>
-      </p:sp>
-      <p:sp>
-        <p:nvSpPr>
           <p:cNvPr id="5" name="正方形/長方形 4">
             <a:extLst>
               <a:ext uri="{FF2B5EF4-FFF2-40B4-BE49-F238E27FC236}">
@@ -5043,7 +4980,7 @@
         </p:nvSpPr>
         <p:spPr>
           <a:xfrm>
-            <a:off x="644769" y="351693"/>
+            <a:off x="647115" y="896815"/>
             <a:ext cx="2827607" cy="647113"/>
           </a:xfrm>
           <a:prstGeom prst="rect">
@@ -5090,7 +5027,7 @@
         </p:nvSpPr>
         <p:spPr>
           <a:xfrm>
-            <a:off x="642424" y="1573238"/>
+            <a:off x="644770" y="2118360"/>
             <a:ext cx="2827607" cy="647113"/>
           </a:xfrm>
           <a:prstGeom prst="rect">
@@ -5137,7 +5074,7 @@
         </p:nvSpPr>
         <p:spPr>
           <a:xfrm>
-            <a:off x="642424" y="2794783"/>
+            <a:off x="644770" y="3339905"/>
             <a:ext cx="2827607" cy="647113"/>
           </a:xfrm>
           <a:prstGeom prst="rect">
@@ -5184,7 +5121,7 @@
         </p:nvSpPr>
         <p:spPr>
           <a:xfrm>
-            <a:off x="4679850" y="991774"/>
+            <a:off x="4682196" y="1536896"/>
             <a:ext cx="2827607" cy="647113"/>
           </a:xfrm>
           <a:prstGeom prst="rect">
@@ -5231,7 +5168,7 @@
         </p:nvSpPr>
         <p:spPr>
           <a:xfrm>
-            <a:off x="4679850" y="2236765"/>
+            <a:off x="4682196" y="2781887"/>
             <a:ext cx="2827607" cy="647113"/>
           </a:xfrm>
           <a:prstGeom prst="rect">
@@ -5260,7 +5197,7 @@
           <a:lstStyle/>
           <a:p>
             <a:pPr algn="ctr"/>
-            <a:endParaRPr kumimoji="1" lang="ja-JP" altLang="en-US"/>
+            <a:endParaRPr kumimoji="1" lang="ja-JP" altLang="en-US" dirty="0"/>
           </a:p>
         </p:txBody>
       </p:sp>
@@ -5281,7 +5218,7 @@
         </p:nvCxnSpPr>
         <p:spPr>
           <a:xfrm flipH="1">
-            <a:off x="2056228" y="998806"/>
+            <a:off x="2058574" y="1543928"/>
             <a:ext cx="2345" cy="574432"/>
           </a:xfrm>
           <a:prstGeom prst="straightConnector1">
@@ -5323,7 +5260,7 @@
         </p:nvCxnSpPr>
         <p:spPr>
           <a:xfrm>
-            <a:off x="2056228" y="2220351"/>
+            <a:off x="2058574" y="2765473"/>
             <a:ext cx="0" cy="574432"/>
           </a:xfrm>
           <a:prstGeom prst="straightConnector1">
@@ -5365,7 +5302,7 @@
         </p:nvCxnSpPr>
         <p:spPr>
           <a:xfrm>
-            <a:off x="6093654" y="1638887"/>
+            <a:off x="6096000" y="2184009"/>
             <a:ext cx="0" cy="597878"/>
           </a:xfrm>
           <a:prstGeom prst="straightConnector1">
@@ -5407,7 +5344,7 @@
         </p:nvCxnSpPr>
         <p:spPr>
           <a:xfrm flipV="1">
-            <a:off x="3470031" y="2560322"/>
+            <a:off x="3472377" y="3105444"/>
             <a:ext cx="1209819" cy="558018"/>
           </a:xfrm>
           <a:prstGeom prst="straightConnector1">
@@ -5446,7 +5383,7 @@
         </p:nvSpPr>
         <p:spPr>
           <a:xfrm>
-            <a:off x="8717274" y="2236765"/>
+            <a:off x="8719620" y="2781887"/>
             <a:ext cx="2827607" cy="647113"/>
           </a:xfrm>
           <a:prstGeom prst="rect">
@@ -5496,7 +5433,7 @@
         </p:nvCxnSpPr>
         <p:spPr>
           <a:xfrm>
-            <a:off x="7507457" y="2560322"/>
+            <a:off x="7509803" y="3105444"/>
             <a:ext cx="1209817" cy="0"/>
           </a:xfrm>
           <a:prstGeom prst="straightConnector1">
@@ -5535,7 +5472,7 @@
         </p:nvSpPr>
         <p:spPr>
           <a:xfrm>
-            <a:off x="8721968" y="998806"/>
+            <a:off x="8724314" y="1543928"/>
             <a:ext cx="2827607" cy="647113"/>
           </a:xfrm>
           <a:prstGeom prst="rect">
@@ -5585,7 +5522,7 @@
         </p:nvCxnSpPr>
         <p:spPr>
           <a:xfrm flipV="1">
-            <a:off x="10131078" y="1645919"/>
+            <a:off x="10133424" y="2191041"/>
             <a:ext cx="4694" cy="590846"/>
           </a:xfrm>
           <a:prstGeom prst="straightConnector1">
@@ -5627,13 +5564,14 @@
         </p:nvCxnSpPr>
         <p:spPr>
           <a:xfrm flipH="1" flipV="1">
-            <a:off x="7507457" y="1315331"/>
+            <a:off x="7509803" y="1860453"/>
             <a:ext cx="1214511" cy="7032"/>
           </a:xfrm>
           <a:prstGeom prst="straightConnector1">
             <a:avLst/>
           </a:prstGeom>
           <a:ln>
+            <a:prstDash val="lgDash"/>
             <a:tailEnd type="triangle"/>
           </a:ln>
         </p:spPr>
@@ -5652,6 +5590,394 @@
           </a:fontRef>
         </p:style>
       </p:cxnSp>
+      <p:sp>
+        <p:nvSpPr>
+          <p:cNvPr id="2" name="テキスト ボックス 1">
+            <a:extLst>
+              <a:ext uri="{FF2B5EF4-FFF2-40B4-BE49-F238E27FC236}">
+                <a16:creationId xmlns:a16="http://schemas.microsoft.com/office/drawing/2014/main" id="{F98CD026-7983-47C3-B38F-153DFE0DBEE9}"/>
+              </a:ext>
+            </a:extLst>
+          </p:cNvPr>
+          <p:cNvSpPr txBox="1"/>
+          <p:nvPr/>
+        </p:nvSpPr>
+        <p:spPr>
+          <a:xfrm>
+            <a:off x="1068558" y="1020317"/>
+            <a:ext cx="1980029" cy="400110"/>
+          </a:xfrm>
+          <a:prstGeom prst="rect">
+            <a:avLst/>
+          </a:prstGeom>
+          <a:noFill/>
+        </p:spPr>
+        <p:txBody>
+          <a:bodyPr wrap="none" rtlCol="0">
+            <a:spAutoFit/>
+          </a:bodyPr>
+          <a:lstStyle/>
+          <a:p>
+            <a:r>
+              <a:rPr kumimoji="1" lang="ja-JP" altLang="en-US" sz="2000" dirty="0"/>
+              <a:t>リポジトリ作成</a:t>
+            </a:r>
+          </a:p>
+        </p:txBody>
+      </p:sp>
+      <p:sp>
+        <p:nvSpPr>
+          <p:cNvPr id="10" name="正方形/長方形 9">
+            <a:extLst>
+              <a:ext uri="{FF2B5EF4-FFF2-40B4-BE49-F238E27FC236}">
+                <a16:creationId xmlns:a16="http://schemas.microsoft.com/office/drawing/2014/main" id="{14C9BEB1-CED8-4F07-8DC5-8A16E5B06334}"/>
+              </a:ext>
+            </a:extLst>
+          </p:cNvPr>
+          <p:cNvSpPr/>
+          <p:nvPr/>
+        </p:nvSpPr>
+        <p:spPr>
+          <a:xfrm>
+            <a:off x="1273742" y="2257250"/>
+            <a:ext cx="1569660" cy="369332"/>
+          </a:xfrm>
+          <a:prstGeom prst="rect">
+            <a:avLst/>
+          </a:prstGeom>
+        </p:spPr>
+        <p:txBody>
+          <a:bodyPr wrap="none">
+            <a:spAutoFit/>
+          </a:bodyPr>
+          <a:lstStyle/>
+          <a:p>
+            <a:r>
+              <a:rPr lang="ja-JP" altLang="en-US" dirty="0"/>
+              <a:t>ブランチ作成</a:t>
+            </a:r>
+          </a:p>
+        </p:txBody>
+      </p:sp>
+      <p:sp>
+        <p:nvSpPr>
+          <p:cNvPr id="12" name="テキスト ボックス 11">
+            <a:extLst>
+              <a:ext uri="{FF2B5EF4-FFF2-40B4-BE49-F238E27FC236}">
+                <a16:creationId xmlns:a16="http://schemas.microsoft.com/office/drawing/2014/main" id="{925043AB-1DA4-4AD3-8180-523F7A580095}"/>
+              </a:ext>
+            </a:extLst>
+          </p:cNvPr>
+          <p:cNvSpPr txBox="1"/>
+          <p:nvPr/>
+        </p:nvSpPr>
+        <p:spPr>
+          <a:xfrm>
+            <a:off x="1453278" y="3469119"/>
+            <a:ext cx="1210588" cy="400110"/>
+          </a:xfrm>
+          <a:prstGeom prst="rect">
+            <a:avLst/>
+          </a:prstGeom>
+          <a:noFill/>
+        </p:spPr>
+        <p:txBody>
+          <a:bodyPr wrap="none" rtlCol="0">
+            <a:spAutoFit/>
+          </a:bodyPr>
+          <a:lstStyle/>
+          <a:p>
+            <a:r>
+              <a:rPr kumimoji="1" lang="ja-JP" altLang="en-US" sz="2000" dirty="0"/>
+              <a:t>クローン</a:t>
+            </a:r>
+          </a:p>
+        </p:txBody>
+      </p:sp>
+      <p:sp>
+        <p:nvSpPr>
+          <p:cNvPr id="14" name="テキスト ボックス 13">
+            <a:extLst>
+              <a:ext uri="{FF2B5EF4-FFF2-40B4-BE49-F238E27FC236}">
+                <a16:creationId xmlns:a16="http://schemas.microsoft.com/office/drawing/2014/main" id="{82D30AF3-F2A2-45CE-9B60-EBB7FE034F69}"/>
+              </a:ext>
+            </a:extLst>
+          </p:cNvPr>
+          <p:cNvSpPr txBox="1"/>
+          <p:nvPr/>
+        </p:nvSpPr>
+        <p:spPr>
+          <a:xfrm>
+            <a:off x="3543049" y="3199787"/>
+            <a:ext cx="1107996" cy="369332"/>
+          </a:xfrm>
+          <a:prstGeom prst="rect">
+            <a:avLst/>
+          </a:prstGeom>
+          <a:noFill/>
+        </p:spPr>
+        <p:txBody>
+          <a:bodyPr wrap="none" rtlCol="0">
+            <a:spAutoFit/>
+          </a:bodyPr>
+          <a:lstStyle/>
+          <a:p>
+            <a:r>
+              <a:rPr kumimoji="1" lang="ja-JP" altLang="en-US" dirty="0"/>
+              <a:t>ローカル</a:t>
+            </a:r>
+          </a:p>
+        </p:txBody>
+      </p:sp>
+      <p:sp>
+        <p:nvSpPr>
+          <p:cNvPr id="16" name="テキスト ボックス 15">
+            <a:extLst>
+              <a:ext uri="{FF2B5EF4-FFF2-40B4-BE49-F238E27FC236}">
+                <a16:creationId xmlns:a16="http://schemas.microsoft.com/office/drawing/2014/main" id="{BDE3496B-5E64-4FB1-9944-56EBD65BBB80}"/>
+              </a:ext>
+            </a:extLst>
+          </p:cNvPr>
+          <p:cNvSpPr txBox="1"/>
+          <p:nvPr/>
+        </p:nvSpPr>
+        <p:spPr>
+          <a:xfrm flipH="1">
+            <a:off x="5736684" y="2905388"/>
+            <a:ext cx="718628" cy="400110"/>
+          </a:xfrm>
+          <a:prstGeom prst="rect">
+            <a:avLst/>
+          </a:prstGeom>
+          <a:noFill/>
+        </p:spPr>
+        <p:txBody>
+          <a:bodyPr wrap="square" rtlCol="0">
+            <a:spAutoFit/>
+          </a:bodyPr>
+          <a:lstStyle/>
+          <a:p>
+            <a:r>
+              <a:rPr kumimoji="1" lang="ja-JP" altLang="en-US" sz="2000" dirty="0"/>
+              <a:t>作業</a:t>
+            </a:r>
+          </a:p>
+        </p:txBody>
+      </p:sp>
+      <p:sp>
+        <p:nvSpPr>
+          <p:cNvPr id="19" name="テキスト ボックス 18">
+            <a:extLst>
+              <a:ext uri="{FF2B5EF4-FFF2-40B4-BE49-F238E27FC236}">
+                <a16:creationId xmlns:a16="http://schemas.microsoft.com/office/drawing/2014/main" id="{4105A641-1B82-43A4-B412-51CE9DE5081D}"/>
+              </a:ext>
+            </a:extLst>
+          </p:cNvPr>
+          <p:cNvSpPr txBox="1"/>
+          <p:nvPr/>
+        </p:nvSpPr>
+        <p:spPr>
+          <a:xfrm>
+            <a:off x="9579425" y="2920777"/>
+            <a:ext cx="1107996" cy="369332"/>
+          </a:xfrm>
+          <a:prstGeom prst="rect">
+            <a:avLst/>
+          </a:prstGeom>
+          <a:noFill/>
+        </p:spPr>
+        <p:txBody>
+          <a:bodyPr wrap="none" rtlCol="0">
+            <a:spAutoFit/>
+          </a:bodyPr>
+          <a:lstStyle/>
+          <a:p>
+            <a:r>
+              <a:rPr kumimoji="1" lang="ja-JP" altLang="en-US" dirty="0"/>
+              <a:t>コミット</a:t>
+            </a:r>
+          </a:p>
+        </p:txBody>
+      </p:sp>
+      <p:sp>
+        <p:nvSpPr>
+          <p:cNvPr id="21" name="テキスト ボックス 20">
+            <a:extLst>
+              <a:ext uri="{FF2B5EF4-FFF2-40B4-BE49-F238E27FC236}">
+                <a16:creationId xmlns:a16="http://schemas.microsoft.com/office/drawing/2014/main" id="{164FCE45-A922-4891-95B0-417DB79DCAFA}"/>
+              </a:ext>
+            </a:extLst>
+          </p:cNvPr>
+          <p:cNvSpPr txBox="1"/>
+          <p:nvPr/>
+        </p:nvSpPr>
+        <p:spPr>
+          <a:xfrm>
+            <a:off x="9584118" y="1682819"/>
+            <a:ext cx="1107996" cy="369332"/>
+          </a:xfrm>
+          <a:prstGeom prst="rect">
+            <a:avLst/>
+          </a:prstGeom>
+          <a:noFill/>
+        </p:spPr>
+        <p:txBody>
+          <a:bodyPr wrap="none" rtlCol="0">
+            <a:spAutoFit/>
+          </a:bodyPr>
+          <a:lstStyle/>
+          <a:p>
+            <a:r>
+              <a:rPr kumimoji="1" lang="ja-JP" altLang="en-US" dirty="0"/>
+              <a:t>プッシュ</a:t>
+            </a:r>
+          </a:p>
+        </p:txBody>
+      </p:sp>
+      <p:sp>
+        <p:nvSpPr>
+          <p:cNvPr id="22" name="テキスト ボックス 21">
+            <a:extLst>
+              <a:ext uri="{FF2B5EF4-FFF2-40B4-BE49-F238E27FC236}">
+                <a16:creationId xmlns:a16="http://schemas.microsoft.com/office/drawing/2014/main" id="{E9DA7674-5A8C-4095-A9D1-556138E775FD}"/>
+              </a:ext>
+            </a:extLst>
+          </p:cNvPr>
+          <p:cNvSpPr txBox="1"/>
+          <p:nvPr/>
+        </p:nvSpPr>
+        <p:spPr>
+          <a:xfrm>
+            <a:off x="5767163" y="1675787"/>
+            <a:ext cx="646331" cy="369332"/>
+          </a:xfrm>
+          <a:prstGeom prst="rect">
+            <a:avLst/>
+          </a:prstGeom>
+          <a:noFill/>
+        </p:spPr>
+        <p:txBody>
+          <a:bodyPr wrap="none" rtlCol="0">
+            <a:spAutoFit/>
+          </a:bodyPr>
+          <a:lstStyle/>
+          <a:p>
+            <a:r>
+              <a:rPr kumimoji="1" lang="ja-JP" altLang="en-US" dirty="0"/>
+              <a:t>プル</a:t>
+            </a:r>
+          </a:p>
+        </p:txBody>
+      </p:sp>
+      <p:cxnSp>
+        <p:nvCxnSpPr>
+          <p:cNvPr id="29" name="直線矢印コネクタ 28">
+            <a:extLst>
+              <a:ext uri="{FF2B5EF4-FFF2-40B4-BE49-F238E27FC236}">
+                <a16:creationId xmlns:a16="http://schemas.microsoft.com/office/drawing/2014/main" id="{9C0F8931-DC86-482C-BDAE-AFDCB79657DE}"/>
+              </a:ext>
+            </a:extLst>
+          </p:cNvPr>
+          <p:cNvCxnSpPr/>
+          <p:nvPr/>
+        </p:nvCxnSpPr>
+        <p:spPr>
+          <a:xfrm>
+            <a:off x="8114711" y="3663461"/>
+            <a:ext cx="0" cy="1603717"/>
+          </a:xfrm>
+          <a:prstGeom prst="straightConnector1">
+            <a:avLst/>
+          </a:prstGeom>
+          <a:ln>
+            <a:tailEnd type="triangle"/>
+          </a:ln>
+        </p:spPr>
+        <p:style>
+          <a:lnRef idx="1">
+            <a:schemeClr val="accent1"/>
+          </a:lnRef>
+          <a:fillRef idx="0">
+            <a:schemeClr val="accent1"/>
+          </a:fillRef>
+          <a:effectRef idx="0">
+            <a:schemeClr val="accent1"/>
+          </a:effectRef>
+          <a:fontRef idx="minor">
+            <a:schemeClr val="tx1"/>
+          </a:fontRef>
+        </p:style>
+      </p:cxnSp>
+      <p:sp>
+        <p:nvSpPr>
+          <p:cNvPr id="30" name="テキスト ボックス 29">
+            <a:extLst>
+              <a:ext uri="{FF2B5EF4-FFF2-40B4-BE49-F238E27FC236}">
+                <a16:creationId xmlns:a16="http://schemas.microsoft.com/office/drawing/2014/main" id="{C667DA80-55DD-465C-B621-F524F1EB724D}"/>
+              </a:ext>
+            </a:extLst>
+          </p:cNvPr>
+          <p:cNvSpPr txBox="1"/>
+          <p:nvPr/>
+        </p:nvSpPr>
+        <p:spPr>
+          <a:xfrm>
+            <a:off x="7509803" y="5267178"/>
+            <a:ext cx="1210588" cy="400110"/>
+          </a:xfrm>
+          <a:prstGeom prst="rect">
+            <a:avLst/>
+          </a:prstGeom>
+          <a:noFill/>
+        </p:spPr>
+        <p:txBody>
+          <a:bodyPr wrap="none" rtlCol="0">
+            <a:spAutoFit/>
+          </a:bodyPr>
+          <a:lstStyle/>
+          <a:p>
+            <a:r>
+              <a:rPr kumimoji="1" lang="ja-JP" altLang="en-US" sz="2000" dirty="0"/>
+              <a:t>リモート</a:t>
+            </a:r>
+          </a:p>
+        </p:txBody>
+      </p:sp>
+      <p:sp>
+        <p:nvSpPr>
+          <p:cNvPr id="31" name="テキスト ボックス 30">
+            <a:extLst>
+              <a:ext uri="{FF2B5EF4-FFF2-40B4-BE49-F238E27FC236}">
+                <a16:creationId xmlns:a16="http://schemas.microsoft.com/office/drawing/2014/main" id="{67950107-78FC-4C25-B1CA-5312CC995120}"/>
+              </a:ext>
+            </a:extLst>
+          </p:cNvPr>
+          <p:cNvSpPr txBox="1"/>
+          <p:nvPr/>
+        </p:nvSpPr>
+        <p:spPr>
+          <a:xfrm>
+            <a:off x="7214464" y="4275965"/>
+            <a:ext cx="1800493" cy="369332"/>
+          </a:xfrm>
+          <a:prstGeom prst="rect">
+            <a:avLst/>
+          </a:prstGeom>
+          <a:noFill/>
+        </p:spPr>
+        <p:txBody>
+          <a:bodyPr wrap="none" rtlCol="0">
+            <a:spAutoFit/>
+          </a:bodyPr>
+          <a:lstStyle/>
+          <a:p>
+            <a:r>
+              <a:rPr kumimoji="1" lang="ja-JP" altLang="en-US" dirty="0"/>
+              <a:t>プルリクエスト</a:t>
+            </a:r>
+          </a:p>
+        </p:txBody>
+      </p:sp>
     </p:spTree>
     <p:extLst>
       <p:ext uri="{BB962C8B-B14F-4D97-AF65-F5344CB8AC3E}">
@@ -5708,7 +6034,7 @@
             </a:pPr>
             <a:r>
               <a:rPr kumimoji="1" lang="ja-JP" altLang="en-US" dirty="0"/>
-              <a:t>サルでもわかる</a:t>
+              <a:t>・サルでもわかる</a:t>
             </a:r>
             <a:r>
               <a:rPr kumimoji="1" lang="en-US" altLang="ja-JP" dirty="0"/>
@@ -5725,6 +6051,10 @@
               <a:buNone/>
             </a:pPr>
             <a:r>
+              <a:rPr lang="ja-JP" altLang="en-US" dirty="0"/>
+              <a:t>・</a:t>
+            </a:r>
+            <a:r>
               <a:rPr lang="en-US" altLang="ja-JP" dirty="0" err="1"/>
               <a:t>TechAcademy</a:t>
             </a:r>
@@ -5745,6 +6075,10 @@
             <a:pPr marL="0" indent="0">
               <a:buNone/>
             </a:pPr>
+            <a:r>
+              <a:rPr kumimoji="1" lang="ja-JP" altLang="en-US" dirty="0"/>
+              <a:t>・</a:t>
+            </a:r>
             <a:r>
               <a:rPr kumimoji="1" lang="en-US" altLang="ja-JP" dirty="0"/>
               <a:t>Ferret –</a:t>

--- a/description.pptx
+++ b/description.pptx
@@ -4766,13 +4766,13 @@
         </p:nvSpPr>
         <p:spPr>
           <a:xfrm>
-            <a:off x="1295400" y="1690688"/>
-            <a:ext cx="4800600" cy="1044575"/>
+            <a:off x="838200" y="1690688"/>
+            <a:ext cx="7159283" cy="1044575"/>
           </a:xfrm>
         </p:spPr>
         <p:txBody>
           <a:bodyPr>
-            <a:normAutofit/>
+            <a:normAutofit fontScale="92500"/>
           </a:bodyPr>
           <a:lstStyle/>
           <a:p>
@@ -4799,7 +4799,7 @@
             </a:r>
             <a:r>
               <a:rPr lang="ja-JP" altLang="en-US" dirty="0"/>
-              <a:t>クローンやフォークが簡単</a:t>
+              <a:t>クローンなどの操作がボタンひとつで簡単</a:t>
             </a:r>
             <a:endParaRPr kumimoji="1" lang="ja-JP" altLang="en-US" dirty="0"/>
           </a:p>

--- a/description.pptx
+++ b/description.pptx
@@ -277,7 +277,7 @@
           <a:p>
             <a:fld id="{54B9FF6F-C651-4C28-B86D-7D53BF5155B9}" type="datetimeFigureOut">
               <a:rPr kumimoji="1" lang="ja-JP" altLang="en-US" smtClean="0"/>
-              <a:t>2020/4/25</a:t>
+              <a:t>2020/4/28</a:t>
             </a:fld>
             <a:endParaRPr kumimoji="1" lang="ja-JP" altLang="en-US"/>
           </a:p>
@@ -507,7 +507,7 @@
           <a:p>
             <a:fld id="{54B9FF6F-C651-4C28-B86D-7D53BF5155B9}" type="datetimeFigureOut">
               <a:rPr kumimoji="1" lang="ja-JP" altLang="en-US" smtClean="0"/>
-              <a:t>2020/4/25</a:t>
+              <a:t>2020/4/28</a:t>
             </a:fld>
             <a:endParaRPr kumimoji="1" lang="ja-JP" altLang="en-US"/>
           </a:p>
@@ -747,7 +747,7 @@
           <a:p>
             <a:fld id="{54B9FF6F-C651-4C28-B86D-7D53BF5155B9}" type="datetimeFigureOut">
               <a:rPr kumimoji="1" lang="ja-JP" altLang="en-US" smtClean="0"/>
-              <a:t>2020/4/25</a:t>
+              <a:t>2020/4/28</a:t>
             </a:fld>
             <a:endParaRPr kumimoji="1" lang="ja-JP" altLang="en-US"/>
           </a:p>
@@ -977,7 +977,7 @@
           <a:p>
             <a:fld id="{54B9FF6F-C651-4C28-B86D-7D53BF5155B9}" type="datetimeFigureOut">
               <a:rPr kumimoji="1" lang="ja-JP" altLang="en-US" smtClean="0"/>
-              <a:t>2020/4/25</a:t>
+              <a:t>2020/4/28</a:t>
             </a:fld>
             <a:endParaRPr kumimoji="1" lang="ja-JP" altLang="en-US"/>
           </a:p>
@@ -1252,7 +1252,7 @@
           <a:p>
             <a:fld id="{54B9FF6F-C651-4C28-B86D-7D53BF5155B9}" type="datetimeFigureOut">
               <a:rPr kumimoji="1" lang="ja-JP" altLang="en-US" smtClean="0"/>
-              <a:t>2020/4/25</a:t>
+              <a:t>2020/4/28</a:t>
             </a:fld>
             <a:endParaRPr kumimoji="1" lang="ja-JP" altLang="en-US"/>
           </a:p>
@@ -1581,7 +1581,7 @@
           <a:p>
             <a:fld id="{54B9FF6F-C651-4C28-B86D-7D53BF5155B9}" type="datetimeFigureOut">
               <a:rPr kumimoji="1" lang="ja-JP" altLang="en-US" smtClean="0"/>
-              <a:t>2020/4/25</a:t>
+              <a:t>2020/4/28</a:t>
             </a:fld>
             <a:endParaRPr kumimoji="1" lang="ja-JP" altLang="en-US"/>
           </a:p>
@@ -2057,7 +2057,7 @@
           <a:p>
             <a:fld id="{54B9FF6F-C651-4C28-B86D-7D53BF5155B9}" type="datetimeFigureOut">
               <a:rPr kumimoji="1" lang="ja-JP" altLang="en-US" smtClean="0"/>
-              <a:t>2020/4/25</a:t>
+              <a:t>2020/4/28</a:t>
             </a:fld>
             <a:endParaRPr kumimoji="1" lang="ja-JP" altLang="en-US"/>
           </a:p>
@@ -2198,7 +2198,7 @@
           <a:p>
             <a:fld id="{54B9FF6F-C651-4C28-B86D-7D53BF5155B9}" type="datetimeFigureOut">
               <a:rPr kumimoji="1" lang="ja-JP" altLang="en-US" smtClean="0"/>
-              <a:t>2020/4/25</a:t>
+              <a:t>2020/4/28</a:t>
             </a:fld>
             <a:endParaRPr kumimoji="1" lang="ja-JP" altLang="en-US"/>
           </a:p>
@@ -2311,7 +2311,7 @@
           <a:p>
             <a:fld id="{54B9FF6F-C651-4C28-B86D-7D53BF5155B9}" type="datetimeFigureOut">
               <a:rPr kumimoji="1" lang="ja-JP" altLang="en-US" smtClean="0"/>
-              <a:t>2020/4/25</a:t>
+              <a:t>2020/4/28</a:t>
             </a:fld>
             <a:endParaRPr kumimoji="1" lang="ja-JP" altLang="en-US"/>
           </a:p>
@@ -2654,7 +2654,7 @@
           <a:p>
             <a:fld id="{54B9FF6F-C651-4C28-B86D-7D53BF5155B9}" type="datetimeFigureOut">
               <a:rPr kumimoji="1" lang="ja-JP" altLang="en-US" smtClean="0"/>
-              <a:t>2020/4/25</a:t>
+              <a:t>2020/4/28</a:t>
             </a:fld>
             <a:endParaRPr kumimoji="1" lang="ja-JP" altLang="en-US"/>
           </a:p>
@@ -2942,7 +2942,7 @@
           <a:p>
             <a:fld id="{54B9FF6F-C651-4C28-B86D-7D53BF5155B9}" type="datetimeFigureOut">
               <a:rPr kumimoji="1" lang="ja-JP" altLang="en-US" smtClean="0"/>
-              <a:t>2020/4/25</a:t>
+              <a:t>2020/4/28</a:t>
             </a:fld>
             <a:endParaRPr kumimoji="1" lang="ja-JP" altLang="en-US"/>
           </a:p>
@@ -3215,7 +3215,7 @@
           <a:p>
             <a:fld id="{54B9FF6F-C651-4C28-B86D-7D53BF5155B9}" type="datetimeFigureOut">
               <a:rPr kumimoji="1" lang="ja-JP" altLang="en-US" smtClean="0"/>
-              <a:t>2020/4/25</a:t>
+              <a:t>2020/4/28</a:t>
             </a:fld>
             <a:endParaRPr kumimoji="1" lang="ja-JP" altLang="en-US"/>
           </a:p>
@@ -4503,8 +4503,8 @@
         </p:blipFill>
         <p:spPr bwMode="auto">
           <a:xfrm>
-            <a:off x="6270366" y="3673475"/>
-            <a:ext cx="5324475" cy="2819400"/>
+            <a:off x="6266953" y="3671668"/>
+            <a:ext cx="5327888" cy="2821207"/>
           </a:xfrm>
           <a:prstGeom prst="rect">
             <a:avLst/>
@@ -6298,8 +6298,8 @@
         </p:blipFill>
         <p:spPr>
           <a:xfrm>
-            <a:off x="1125910" y="3429000"/>
-            <a:ext cx="3198360" cy="2808000"/>
+            <a:off x="1186265" y="2832699"/>
+            <a:ext cx="3474226" cy="3050196"/>
           </a:xfrm>
           <a:prstGeom prst="rect">
             <a:avLst/>
@@ -7179,7 +7179,7 @@
         </p:nvSpPr>
         <p:spPr>
           <a:xfrm>
-            <a:off x="2970784" y="5747435"/>
+            <a:off x="2785719" y="5747435"/>
             <a:ext cx="6250429" cy="646331"/>
           </a:xfrm>
           <a:prstGeom prst="rect">

--- a/description.pptx
+++ b/description.pptx
@@ -277,7 +277,7 @@
           <a:p>
             <a:fld id="{54B9FF6F-C651-4C28-B86D-7D53BF5155B9}" type="datetimeFigureOut">
               <a:rPr kumimoji="1" lang="ja-JP" altLang="en-US" smtClean="0"/>
-              <a:t>2020/4/28</a:t>
+              <a:t>2020/4/29</a:t>
             </a:fld>
             <a:endParaRPr kumimoji="1" lang="ja-JP" altLang="en-US"/>
           </a:p>
@@ -507,7 +507,7 @@
           <a:p>
             <a:fld id="{54B9FF6F-C651-4C28-B86D-7D53BF5155B9}" type="datetimeFigureOut">
               <a:rPr kumimoji="1" lang="ja-JP" altLang="en-US" smtClean="0"/>
-              <a:t>2020/4/28</a:t>
+              <a:t>2020/4/29</a:t>
             </a:fld>
             <a:endParaRPr kumimoji="1" lang="ja-JP" altLang="en-US"/>
           </a:p>
@@ -747,7 +747,7 @@
           <a:p>
             <a:fld id="{54B9FF6F-C651-4C28-B86D-7D53BF5155B9}" type="datetimeFigureOut">
               <a:rPr kumimoji="1" lang="ja-JP" altLang="en-US" smtClean="0"/>
-              <a:t>2020/4/28</a:t>
+              <a:t>2020/4/29</a:t>
             </a:fld>
             <a:endParaRPr kumimoji="1" lang="ja-JP" altLang="en-US"/>
           </a:p>
@@ -977,7 +977,7 @@
           <a:p>
             <a:fld id="{54B9FF6F-C651-4C28-B86D-7D53BF5155B9}" type="datetimeFigureOut">
               <a:rPr kumimoji="1" lang="ja-JP" altLang="en-US" smtClean="0"/>
-              <a:t>2020/4/28</a:t>
+              <a:t>2020/4/29</a:t>
             </a:fld>
             <a:endParaRPr kumimoji="1" lang="ja-JP" altLang="en-US"/>
           </a:p>
@@ -1252,7 +1252,7 @@
           <a:p>
             <a:fld id="{54B9FF6F-C651-4C28-B86D-7D53BF5155B9}" type="datetimeFigureOut">
               <a:rPr kumimoji="1" lang="ja-JP" altLang="en-US" smtClean="0"/>
-              <a:t>2020/4/28</a:t>
+              <a:t>2020/4/29</a:t>
             </a:fld>
             <a:endParaRPr kumimoji="1" lang="ja-JP" altLang="en-US"/>
           </a:p>
@@ -1581,7 +1581,7 @@
           <a:p>
             <a:fld id="{54B9FF6F-C651-4C28-B86D-7D53BF5155B9}" type="datetimeFigureOut">
               <a:rPr kumimoji="1" lang="ja-JP" altLang="en-US" smtClean="0"/>
-              <a:t>2020/4/28</a:t>
+              <a:t>2020/4/29</a:t>
             </a:fld>
             <a:endParaRPr kumimoji="1" lang="ja-JP" altLang="en-US"/>
           </a:p>
@@ -2057,7 +2057,7 @@
           <a:p>
             <a:fld id="{54B9FF6F-C651-4C28-B86D-7D53BF5155B9}" type="datetimeFigureOut">
               <a:rPr kumimoji="1" lang="ja-JP" altLang="en-US" smtClean="0"/>
-              <a:t>2020/4/28</a:t>
+              <a:t>2020/4/29</a:t>
             </a:fld>
             <a:endParaRPr kumimoji="1" lang="ja-JP" altLang="en-US"/>
           </a:p>
@@ -2198,7 +2198,7 @@
           <a:p>
             <a:fld id="{54B9FF6F-C651-4C28-B86D-7D53BF5155B9}" type="datetimeFigureOut">
               <a:rPr kumimoji="1" lang="ja-JP" altLang="en-US" smtClean="0"/>
-              <a:t>2020/4/28</a:t>
+              <a:t>2020/4/29</a:t>
             </a:fld>
             <a:endParaRPr kumimoji="1" lang="ja-JP" altLang="en-US"/>
           </a:p>
@@ -2311,7 +2311,7 @@
           <a:p>
             <a:fld id="{54B9FF6F-C651-4C28-B86D-7D53BF5155B9}" type="datetimeFigureOut">
               <a:rPr kumimoji="1" lang="ja-JP" altLang="en-US" smtClean="0"/>
-              <a:t>2020/4/28</a:t>
+              <a:t>2020/4/29</a:t>
             </a:fld>
             <a:endParaRPr kumimoji="1" lang="ja-JP" altLang="en-US"/>
           </a:p>
@@ -2654,7 +2654,7 @@
           <a:p>
             <a:fld id="{54B9FF6F-C651-4C28-B86D-7D53BF5155B9}" type="datetimeFigureOut">
               <a:rPr kumimoji="1" lang="ja-JP" altLang="en-US" smtClean="0"/>
-              <a:t>2020/4/28</a:t>
+              <a:t>2020/4/29</a:t>
             </a:fld>
             <a:endParaRPr kumimoji="1" lang="ja-JP" altLang="en-US"/>
           </a:p>
@@ -2942,7 +2942,7 @@
           <a:p>
             <a:fld id="{54B9FF6F-C651-4C28-B86D-7D53BF5155B9}" type="datetimeFigureOut">
               <a:rPr kumimoji="1" lang="ja-JP" altLang="en-US" smtClean="0"/>
-              <a:t>2020/4/28</a:t>
+              <a:t>2020/4/29</a:t>
             </a:fld>
             <a:endParaRPr kumimoji="1" lang="ja-JP" altLang="en-US"/>
           </a:p>
@@ -3215,7 +3215,7 @@
           <a:p>
             <a:fld id="{54B9FF6F-C651-4C28-B86D-7D53BF5155B9}" type="datetimeFigureOut">
               <a:rPr kumimoji="1" lang="ja-JP" altLang="en-US" smtClean="0"/>
-              <a:t>2020/4/28</a:t>
+              <a:t>2020/4/29</a:t>
             </a:fld>
             <a:endParaRPr kumimoji="1" lang="ja-JP" altLang="en-US"/>
           </a:p>
@@ -5922,8 +5922,8 @@
         </p:nvSpPr>
         <p:spPr>
           <a:xfrm>
-            <a:off x="7509803" y="5267178"/>
-            <a:ext cx="1210588" cy="400110"/>
+            <a:off x="7127624" y="5267178"/>
+            <a:ext cx="1980029" cy="523220"/>
           </a:xfrm>
           <a:prstGeom prst="rect">
             <a:avLst/>
@@ -5937,8 +5937,20 @@
           <a:lstStyle/>
           <a:p>
             <a:r>
-              <a:rPr kumimoji="1" lang="ja-JP" altLang="en-US" sz="2000" dirty="0"/>
-              <a:t>リモート</a:t>
+              <a:rPr lang="ja-JP" altLang="en-US" sz="2800" dirty="0">
+                <a:solidFill>
+                  <a:srgbClr val="FF0000"/>
+                </a:solidFill>
+              </a:rPr>
+              <a:t>他</a:t>
+            </a:r>
+            <a:r>
+              <a:rPr kumimoji="1" lang="ja-JP" altLang="en-US" sz="2800" dirty="0">
+                <a:solidFill>
+                  <a:srgbClr val="FF0000"/>
+                </a:solidFill>
+              </a:rPr>
+              <a:t>ブランチ</a:t>
             </a:r>
           </a:p>
         </p:txBody>
